--- a/Latex/Initialpraesentation_anim_Zangerl_Dominik.pptx
+++ b/Latex/Initialpraesentation_anim_Zangerl_Dominik.pptx
@@ -267,7 +267,7 @@
           <a:p>
             <a:fld id="{842CE5A1-857B-214D-8BEE-AF65CEFCD544}" type="datetimeFigureOut">
               <a:rPr lang="de-DE" smtClean="0"/>
-              <a:t>14.03.2021</a:t>
+              <a:t>16.03.2021</a:t>
             </a:fld>
             <a:endParaRPr lang="de-DE"/>
           </a:p>
@@ -4458,7 +4458,7 @@
           <p:cNvPr id="16" name="Rectangle 15" descr=" 4">
             <a:extLst>
               <a:ext uri="{FF2B5EF4-FFF2-40B4-BE49-F238E27FC236}">
-                <a16:creationId xmlns:a16="http://schemas.microsoft.com/office/drawing/2014/main" id="{C6EC2AC2-7A6F-4EF7-83E7-A853CDA110D4}"/>
+                <a16:creationId xmlns:a16="http://schemas.microsoft.com/office/drawing/2014/main" id="{23AD157B-63AA-4AFA-A0FB-93F0C8362364}"/>
               </a:ext>
             </a:extLst>
           </p:cNvPr>
@@ -4532,7 +4532,7 @@
           <p:cNvPr id="17" name="Rectangle 16" descr=" 16">
             <a:extLst>
               <a:ext uri="{FF2B5EF4-FFF2-40B4-BE49-F238E27FC236}">
-                <a16:creationId xmlns:a16="http://schemas.microsoft.com/office/drawing/2014/main" id="{82A2DE36-5E2A-4156-A7A4-6006E25B8F51}"/>
+                <a16:creationId xmlns:a16="http://schemas.microsoft.com/office/drawing/2014/main" id="{75CE9960-900B-45EA-BFD8-E33972BC7823}"/>
               </a:ext>
             </a:extLst>
           </p:cNvPr>
@@ -4606,7 +4606,7 @@
           <p:cNvPr id="18" name="Straight Arrow Connector 17" descr=" 7">
             <a:extLst>
               <a:ext uri="{FF2B5EF4-FFF2-40B4-BE49-F238E27FC236}">
-                <a16:creationId xmlns:a16="http://schemas.microsoft.com/office/drawing/2014/main" id="{29772D88-5B9F-4A31-9642-624DCF4BB42A}"/>
+                <a16:creationId xmlns:a16="http://schemas.microsoft.com/office/drawing/2014/main" id="{825CA28C-1344-4CFC-A721-27D9735EBEC6}"/>
               </a:ext>
             </a:extLst>
           </p:cNvPr>
@@ -4647,7 +4647,7 @@
           <p:cNvPr id="20" name="Rectangle 19" descr=" 19">
             <a:extLst>
               <a:ext uri="{FF2B5EF4-FFF2-40B4-BE49-F238E27FC236}">
-                <a16:creationId xmlns:a16="http://schemas.microsoft.com/office/drawing/2014/main" id="{4543C04E-118A-4775-86A4-A6E55E21146F}"/>
+                <a16:creationId xmlns:a16="http://schemas.microsoft.com/office/drawing/2014/main" id="{97100C89-446D-4047-98EE-0673C5290949}"/>
               </a:ext>
             </a:extLst>
           </p:cNvPr>
@@ -4721,7 +4721,7 @@
           <p:cNvPr id="21" name="Straight Arrow Connector 20" descr=" 20">
             <a:extLst>
               <a:ext uri="{FF2B5EF4-FFF2-40B4-BE49-F238E27FC236}">
-                <a16:creationId xmlns:a16="http://schemas.microsoft.com/office/drawing/2014/main" id="{9E59FE60-6BEA-4EB7-9521-2A678995007E}"/>
+                <a16:creationId xmlns:a16="http://schemas.microsoft.com/office/drawing/2014/main" id="{C3833161-4666-42C8-9FEC-1653B373FBF8}"/>
               </a:ext>
             </a:extLst>
           </p:cNvPr>
@@ -4762,7 +4762,7 @@
           <p:cNvPr id="19" name="TextBox 18" descr=" 21">
             <a:extLst>
               <a:ext uri="{FF2B5EF4-FFF2-40B4-BE49-F238E27FC236}">
-                <a16:creationId xmlns:a16="http://schemas.microsoft.com/office/drawing/2014/main" id="{C8D4ABDA-58CE-4BAB-93B5-EB8C14F0D418}"/>
+                <a16:creationId xmlns:a16="http://schemas.microsoft.com/office/drawing/2014/main" id="{D6897501-7D8B-459E-BA8C-2CB191C1CBAC}"/>
               </a:ext>
             </a:extLst>
           </p:cNvPr>
@@ -4814,7 +4814,7 @@
           <p:cNvPr id="22" name="TextBox 21" descr=" 24">
             <a:extLst>
               <a:ext uri="{FF2B5EF4-FFF2-40B4-BE49-F238E27FC236}">
-                <a16:creationId xmlns:a16="http://schemas.microsoft.com/office/drawing/2014/main" id="{501CADE8-5E17-4090-9FD9-5D813825ACDC}"/>
+                <a16:creationId xmlns:a16="http://schemas.microsoft.com/office/drawing/2014/main" id="{645BF66A-481C-42E4-B7DB-BACD527C8DDB}"/>
               </a:ext>
             </a:extLst>
           </p:cNvPr>
@@ -4860,7 +4860,7 @@
     </p:spTree>
     <p:extLst>
       <p:ext uri="{BB962C8B-B14F-4D97-AF65-F5344CB8AC3E}">
-        <p14:creationId xmlns:p14="http://schemas.microsoft.com/office/powerpoint/2010/main" val="2623608835"/>
+        <p14:creationId xmlns:p14="http://schemas.microsoft.com/office/powerpoint/2010/main" val="449943694"/>
       </p:ext>
     </p:extLst>
   </p:cSld>
@@ -5924,7 +5924,7 @@
     </p:spTree>
     <p:extLst>
       <p:ext uri="{BB962C8B-B14F-4D97-AF65-F5344CB8AC3E}">
-        <p14:creationId xmlns:p14="http://schemas.microsoft.com/office/powerpoint/2010/main" val="2993649114"/>
+        <p14:creationId xmlns:p14="http://schemas.microsoft.com/office/powerpoint/2010/main" val="1430240172"/>
       </p:ext>
     </p:extLst>
   </p:cSld>
@@ -6460,7 +6460,7 @@
           <p:cNvPr id="16" name="Picture 15" descr=" 6">
             <a:extLst>
               <a:ext uri="{FF2B5EF4-FFF2-40B4-BE49-F238E27FC236}">
-                <a16:creationId xmlns:a16="http://schemas.microsoft.com/office/drawing/2014/main" id="{E4F0D6AA-1E90-4B00-95FB-B2DCB61606D6}"/>
+                <a16:creationId xmlns:a16="http://schemas.microsoft.com/office/drawing/2014/main" id="{8CFB4B08-6566-452E-8AC3-6AE73FE66408}"/>
               </a:ext>
             </a:extLst>
           </p:cNvPr>
@@ -6490,7 +6490,7 @@
           <p:cNvPr id="17" name="TextBox 16" descr=" 8">
             <a:extLst>
               <a:ext uri="{FF2B5EF4-FFF2-40B4-BE49-F238E27FC236}">
-                <a16:creationId xmlns:a16="http://schemas.microsoft.com/office/drawing/2014/main" id="{A12206B3-31DA-44CA-9A44-14E587CBEB77}"/>
+                <a16:creationId xmlns:a16="http://schemas.microsoft.com/office/drawing/2014/main" id="{4E815DC6-C15B-4F03-AFC0-904E1B9EACE9}"/>
               </a:ext>
             </a:extLst>
           </p:cNvPr>
@@ -6530,7 +6530,7 @@
     </p:spTree>
     <p:extLst>
       <p:ext uri="{BB962C8B-B14F-4D97-AF65-F5344CB8AC3E}">
-        <p14:creationId xmlns:p14="http://schemas.microsoft.com/office/powerpoint/2010/main" val="2772302851"/>
+        <p14:creationId xmlns:p14="http://schemas.microsoft.com/office/powerpoint/2010/main" val="1311488203"/>
       </p:ext>
     </p:extLst>
   </p:cSld>
@@ -7068,7 +7068,7 @@
           <p:cNvPr id="16" name="Picture 15" descr=" 6">
             <a:extLst>
               <a:ext uri="{FF2B5EF4-FFF2-40B4-BE49-F238E27FC236}">
-                <a16:creationId xmlns:a16="http://schemas.microsoft.com/office/drawing/2014/main" id="{E4F0D6AA-1E90-4B00-95FB-B2DCB61606D6}"/>
+                <a16:creationId xmlns:a16="http://schemas.microsoft.com/office/drawing/2014/main" id="{8CFB4B08-6566-452E-8AC3-6AE73FE66408}"/>
               </a:ext>
             </a:extLst>
           </p:cNvPr>
@@ -7098,7 +7098,7 @@
           <p:cNvPr id="17" name="TextBox 16" descr=" 8">
             <a:extLst>
               <a:ext uri="{FF2B5EF4-FFF2-40B4-BE49-F238E27FC236}">
-                <a16:creationId xmlns:a16="http://schemas.microsoft.com/office/drawing/2014/main" id="{A12206B3-31DA-44CA-9A44-14E587CBEB77}"/>
+                <a16:creationId xmlns:a16="http://schemas.microsoft.com/office/drawing/2014/main" id="{4E815DC6-C15B-4F03-AFC0-904E1B9EACE9}"/>
               </a:ext>
             </a:extLst>
           </p:cNvPr>
@@ -7138,7 +7138,7 @@
     </p:spTree>
     <p:extLst>
       <p:ext uri="{BB962C8B-B14F-4D97-AF65-F5344CB8AC3E}">
-        <p14:creationId xmlns:p14="http://schemas.microsoft.com/office/powerpoint/2010/main" val="455252661"/>
+        <p14:creationId xmlns:p14="http://schemas.microsoft.com/office/powerpoint/2010/main" val="2815982041"/>
       </p:ext>
     </p:extLst>
   </p:cSld>
@@ -7685,7 +7685,7 @@
           <p:cNvPr id="16" name="Picture 15" descr=" 6">
             <a:extLst>
               <a:ext uri="{FF2B5EF4-FFF2-40B4-BE49-F238E27FC236}">
-                <a16:creationId xmlns:a16="http://schemas.microsoft.com/office/drawing/2014/main" id="{E4F0D6AA-1E90-4B00-95FB-B2DCB61606D6}"/>
+                <a16:creationId xmlns:a16="http://schemas.microsoft.com/office/drawing/2014/main" id="{8CFB4B08-6566-452E-8AC3-6AE73FE66408}"/>
               </a:ext>
             </a:extLst>
           </p:cNvPr>
@@ -7715,7 +7715,7 @@
           <p:cNvPr id="17" name="TextBox 16" descr=" 8">
             <a:extLst>
               <a:ext uri="{FF2B5EF4-FFF2-40B4-BE49-F238E27FC236}">
-                <a16:creationId xmlns:a16="http://schemas.microsoft.com/office/drawing/2014/main" id="{A12206B3-31DA-44CA-9A44-14E587CBEB77}"/>
+                <a16:creationId xmlns:a16="http://schemas.microsoft.com/office/drawing/2014/main" id="{4E815DC6-C15B-4F03-AFC0-904E1B9EACE9}"/>
               </a:ext>
             </a:extLst>
           </p:cNvPr>
@@ -7755,7 +7755,7 @@
     </p:spTree>
     <p:extLst>
       <p:ext uri="{BB962C8B-B14F-4D97-AF65-F5344CB8AC3E}">
-        <p14:creationId xmlns:p14="http://schemas.microsoft.com/office/powerpoint/2010/main" val="2480331810"/>
+        <p14:creationId xmlns:p14="http://schemas.microsoft.com/office/powerpoint/2010/main" val="3124605349"/>
       </p:ext>
     </p:extLst>
   </p:cSld>
@@ -8983,7 +8983,7 @@
     </p:spTree>
     <p:extLst>
       <p:ext uri="{BB962C8B-B14F-4D97-AF65-F5344CB8AC3E}">
-        <p14:creationId xmlns:p14="http://schemas.microsoft.com/office/powerpoint/2010/main" val="2917535015"/>
+        <p14:creationId xmlns:p14="http://schemas.microsoft.com/office/powerpoint/2010/main" val="2594975631"/>
       </p:ext>
     </p:extLst>
   </p:cSld>
@@ -9602,7 +9602,7 @@
     </p:spTree>
     <p:extLst>
       <p:ext uri="{BB962C8B-B14F-4D97-AF65-F5344CB8AC3E}">
-        <p14:creationId xmlns:p14="http://schemas.microsoft.com/office/powerpoint/2010/main" val="2240647531"/>
+        <p14:creationId xmlns:p14="http://schemas.microsoft.com/office/powerpoint/2010/main" val="865932253"/>
       </p:ext>
     </p:extLst>
   </p:cSld>
@@ -10273,7 +10273,7 @@
     </p:spTree>
     <p:extLst>
       <p:ext uri="{BB962C8B-B14F-4D97-AF65-F5344CB8AC3E}">
-        <p14:creationId xmlns:p14="http://schemas.microsoft.com/office/powerpoint/2010/main" val="1596258782"/>
+        <p14:creationId xmlns:p14="http://schemas.microsoft.com/office/powerpoint/2010/main" val="2172010754"/>
       </p:ext>
     </p:extLst>
   </p:cSld>
@@ -10334,7 +10334,9 @@
         </p:nvSpPr>
         <p:spPr/>
         <p:txBody>
-          <a:bodyPr/>
+          <a:bodyPr>
+            <a:noAutofit/>
+          </a:bodyPr>
           <a:lstStyle/>
           <a:p>
             <a:pPr marL="342900" indent="-342900">
@@ -10361,6 +10363,7 @@
               <a:rPr lang="de-DE" dirty="0"/>
               <a:t>Implementation und Technologien</a:t>
             </a:r>
+            <a:endParaRPr lang="en-AT" dirty="0"/>
           </a:p>
           <a:p>
             <a:pPr marL="800100" lvl="1" indent="-342900" algn="l">
@@ -10371,12 +10374,12 @@
               <a:buChar char="•"/>
             </a:pPr>
             <a:r>
-              <a:rPr lang="de-DE" dirty="0" err="1">
+              <a:rPr lang="en-AT" sz="1900" dirty="0">
                 <a:latin typeface="+mj-lt"/>
               </a:rPr>
-              <a:t>TypeScript</a:t>
-            </a:r>
-            <a:endParaRPr lang="de-DE" dirty="0">
+              <a:t>Typescript</a:t>
+            </a:r>
+            <a:endParaRPr lang="de-DE" sz="1900" dirty="0">
               <a:latin typeface="+mj-lt"/>
             </a:endParaRPr>
           </a:p>
@@ -10389,12 +10392,45 @@
               <a:buChar char="•"/>
             </a:pPr>
             <a:r>
-              <a:rPr lang="de-DE" dirty="0" err="1">
+              <a:rPr lang="en-AT" sz="1900" dirty="0">
                 <a:latin typeface="+mj-lt"/>
               </a:rPr>
-              <a:t>React</a:t>
-            </a:r>
-            <a:endParaRPr lang="de-DE" dirty="0">
+              <a:t>Parser</a:t>
+            </a:r>
+          </a:p>
+          <a:p>
+            <a:pPr marL="800100" lvl="1" indent="-342900" algn="l">
+              <a:lnSpc>
+                <a:spcPct val="100000"/>
+              </a:lnSpc>
+              <a:buFont typeface="Arial" panose="020B0604020202020204" pitchFamily="34" charset="0"/>
+              <a:buChar char="•"/>
+            </a:pPr>
+            <a:r>
+              <a:rPr lang="en-AT" sz="1900" dirty="0">
+                <a:latin typeface="+mj-lt"/>
+              </a:rPr>
+              <a:t>Simulator und Debugger</a:t>
+            </a:r>
+            <a:endParaRPr lang="de-DE" sz="1900" dirty="0">
+              <a:latin typeface="+mj-lt"/>
+            </a:endParaRPr>
+          </a:p>
+          <a:p>
+            <a:pPr marL="800100" lvl="1" indent="-342900" algn="l">
+              <a:lnSpc>
+                <a:spcPct val="100000"/>
+              </a:lnSpc>
+              <a:buFont typeface="Arial" panose="020B0604020202020204" pitchFamily="34" charset="0"/>
+              <a:buChar char="•"/>
+            </a:pPr>
+            <a:r>
+              <a:rPr lang="en-AT" sz="1900" dirty="0">
+                <a:latin typeface="+mj-lt"/>
+              </a:rPr>
+              <a:t>Frontend/React</a:t>
+            </a:r>
+            <a:endParaRPr lang="de-DE" sz="1900" dirty="0">
               <a:latin typeface="+mj-lt"/>
             </a:endParaRPr>
           </a:p>
@@ -11185,7 +11221,7 @@
     </p:spTree>
     <p:extLst>
       <p:ext uri="{BB962C8B-B14F-4D97-AF65-F5344CB8AC3E}">
-        <p14:creationId xmlns:p14="http://schemas.microsoft.com/office/powerpoint/2010/main" val="812513775"/>
+        <p14:creationId xmlns:p14="http://schemas.microsoft.com/office/powerpoint/2010/main" val="3567381449"/>
       </p:ext>
     </p:extLst>
   </p:cSld>
@@ -11859,7 +11895,7 @@
     </p:spTree>
     <p:extLst>
       <p:ext uri="{BB962C8B-B14F-4D97-AF65-F5344CB8AC3E}">
-        <p14:creationId xmlns:p14="http://schemas.microsoft.com/office/powerpoint/2010/main" val="2772816044"/>
+        <p14:creationId xmlns:p14="http://schemas.microsoft.com/office/powerpoint/2010/main" val="746412744"/>
       </p:ext>
     </p:extLst>
   </p:cSld>
@@ -12535,7 +12571,7 @@
     </p:spTree>
     <p:extLst>
       <p:ext uri="{BB962C8B-B14F-4D97-AF65-F5344CB8AC3E}">
-        <p14:creationId xmlns:p14="http://schemas.microsoft.com/office/powerpoint/2010/main" val="1878708376"/>
+        <p14:creationId xmlns:p14="http://schemas.microsoft.com/office/powerpoint/2010/main" val="1153348824"/>
       </p:ext>
     </p:extLst>
   </p:cSld>
@@ -13213,7 +13249,7 @@
     </p:spTree>
     <p:extLst>
       <p:ext uri="{BB962C8B-B14F-4D97-AF65-F5344CB8AC3E}">
-        <p14:creationId xmlns:p14="http://schemas.microsoft.com/office/powerpoint/2010/main" val="3969258317"/>
+        <p14:creationId xmlns:p14="http://schemas.microsoft.com/office/powerpoint/2010/main" val="513670348"/>
       </p:ext>
     </p:extLst>
   </p:cSld>
@@ -14439,7 +14475,7 @@
     </p:spTree>
     <p:extLst>
       <p:ext uri="{BB962C8B-B14F-4D97-AF65-F5344CB8AC3E}">
-        <p14:creationId xmlns:p14="http://schemas.microsoft.com/office/powerpoint/2010/main" val="3192581695"/>
+        <p14:creationId xmlns:p14="http://schemas.microsoft.com/office/powerpoint/2010/main" val="1710340842"/>
       </p:ext>
     </p:extLst>
   </p:cSld>
@@ -15065,7 +15101,7 @@
     </p:spTree>
     <p:extLst>
       <p:ext uri="{BB962C8B-B14F-4D97-AF65-F5344CB8AC3E}">
-        <p14:creationId xmlns:p14="http://schemas.microsoft.com/office/powerpoint/2010/main" val="1708531861"/>
+        <p14:creationId xmlns:p14="http://schemas.microsoft.com/office/powerpoint/2010/main" val="1105013205"/>
       </p:ext>
     </p:extLst>
   </p:cSld>
@@ -15695,7 +15731,7 @@
     </p:spTree>
     <p:extLst>
       <p:ext uri="{BB962C8B-B14F-4D97-AF65-F5344CB8AC3E}">
-        <p14:creationId xmlns:p14="http://schemas.microsoft.com/office/powerpoint/2010/main" val="1069563083"/>
+        <p14:creationId xmlns:p14="http://schemas.microsoft.com/office/powerpoint/2010/main" val="2251269321"/>
       </p:ext>
     </p:extLst>
   </p:cSld>
@@ -16322,7 +16358,7 @@
     </p:spTree>
     <p:extLst>
       <p:ext uri="{BB962C8B-B14F-4D97-AF65-F5344CB8AC3E}">
-        <p14:creationId xmlns:p14="http://schemas.microsoft.com/office/powerpoint/2010/main" val="3592116668"/>
+        <p14:creationId xmlns:p14="http://schemas.microsoft.com/office/powerpoint/2010/main" val="3880296562"/>
       </p:ext>
     </p:extLst>
   </p:cSld>
@@ -16955,7 +16991,7 @@
     </p:spTree>
     <p:extLst>
       <p:ext uri="{BB962C8B-B14F-4D97-AF65-F5344CB8AC3E}">
-        <p14:creationId xmlns:p14="http://schemas.microsoft.com/office/powerpoint/2010/main" val="2779614100"/>
+        <p14:creationId xmlns:p14="http://schemas.microsoft.com/office/powerpoint/2010/main" val="1526441345"/>
       </p:ext>
     </p:extLst>
   </p:cSld>
@@ -17038,15 +17074,25 @@
               <a:rPr lang="en-AT" dirty="0">
                 <a:hlinkClick r:id="rId3" action="ppaction://hlinksldjump"/>
               </a:rPr>
-              <a:t>[2]</a:t>
-            </a:r>
-            <a:r>
-              <a:rPr lang="en-AT" dirty="0"/>
+              <a:t>[</a:t>
+            </a:r>
+            <a:r>
+              <a:rPr lang="en-AT">
+                <a:hlinkClick r:id="rId3" action="ppaction://hlinksldjump"/>
+              </a:rPr>
+              <a:t>2]</a:t>
+            </a:r>
+            <a:r>
+              <a:rPr lang="en-AT"/>
               <a:t> </a:t>
             </a:r>
             <a:r>
+              <a:rPr lang="de-DE"/>
+              <a:t>als </a:t>
+            </a:r>
+            <a:r>
               <a:rPr lang="de-DE" dirty="0"/>
-              <a:t>als Beispiel einer Befehlssatzarchitektur</a:t>
+              <a:t>Beispiel einer Befehlssatzarchitektur</a:t>
             </a:r>
           </a:p>
           <a:p>
@@ -17058,9 +17104,10 @@
               <a:buChar char=" "/>
             </a:pPr>
             <a:r>
-              <a:rPr lang="de-DE" dirty="0"/>
+              <a:rPr lang="de-DE"/>
               <a:t>                                                                            </a:t>
             </a:r>
+            <a:endParaRPr lang="de-DE" dirty="0"/>
           </a:p>
           <a:p>
             <a:pPr marL="342900" indent="-342900">
@@ -17071,27 +17118,28 @@
               <a:buChar char=" "/>
             </a:pPr>
             <a:r>
-              <a:rPr lang="de-DE" dirty="0"/>
+              <a:rPr lang="de-DE"/>
               <a:t>                            </a:t>
             </a:r>
             <a:r>
-              <a:rPr lang="en-AT" dirty="0"/>
+              <a:rPr lang="en-AT"/>
               <a:t> </a:t>
             </a:r>
             <a:r>
-              <a:rPr lang="en-AT" dirty="0">
+              <a:rPr lang="en-AT">
                 <a:hlinkClick r:id="rId3" action="ppaction://hlinksldjump"/>
               </a:rPr>
               <a:t>  </a:t>
             </a:r>
             <a:r>
-              <a:rPr lang="en-AT" dirty="0"/>
+              <a:rPr lang="en-AT"/>
               <a:t> </a:t>
             </a:r>
             <a:r>
-              <a:rPr lang="de-DE" dirty="0"/>
+              <a:rPr lang="de-DE"/>
               <a:t> </a:t>
             </a:r>
+            <a:endParaRPr lang="de-DE" dirty="0"/>
           </a:p>
           <a:p>
             <a:pPr marL="342900" indent="-342900">
@@ -17122,21 +17170,21 @@
               <a:buChar char=" "/>
             </a:pPr>
             <a:r>
-              <a:rPr lang="de-DE" dirty="0"/>
+              <a:rPr lang="de-DE"/>
               <a:t>                                      </a:t>
             </a:r>
             <a:r>
-              <a:rPr lang="en-AT" dirty="0"/>
+              <a:rPr lang="en-AT"/>
               <a:t> </a:t>
             </a:r>
             <a:r>
-              <a:rPr lang="en-AT" dirty="0">
+              <a:rPr lang="en-AT">
                 <a:hlinkClick r:id="rId3" action="ppaction://hlinksldjump"/>
               </a:rPr>
               <a:t>  </a:t>
             </a:r>
             <a:r>
-              <a:rPr lang="en-AT" dirty="0"/>
+              <a:rPr lang="en-AT"/>
               <a:t> </a:t>
             </a:r>
             <a:endParaRPr lang="de-DE" dirty="0"/>
@@ -17150,29 +17198,29 @@
               <a:buChar char=" "/>
             </a:pPr>
             <a:r>
-              <a:rPr lang="de-DE" dirty="0"/>
+              <a:rPr lang="de-DE"/>
               <a:t>                                                               </a:t>
             </a:r>
             <a:r>
-              <a:rPr lang="en-AT" dirty="0"/>
+              <a:rPr lang="en-AT"/>
               <a:t>      </a:t>
             </a:r>
             <a:r>
-              <a:rPr lang="de-DE" dirty="0"/>
+              <a:rPr lang="de-DE"/>
               <a:t>   </a:t>
             </a:r>
             <a:r>
-              <a:rPr lang="en-AT" dirty="0"/>
+              <a:rPr lang="en-AT"/>
               <a:t> </a:t>
             </a:r>
             <a:r>
-              <a:rPr lang="en-AT" dirty="0">
+              <a:rPr lang="en-AT">
                 <a:hlinkClick r:id="rId3" action="ppaction://hlinksldjump"/>
               </a:rPr>
               <a:t>  </a:t>
             </a:r>
             <a:r>
-              <a:rPr lang="en-AT" dirty="0"/>
+              <a:rPr lang="en-AT"/>
               <a:t> </a:t>
             </a:r>
             <a:endParaRPr lang="de-DE" dirty="0"/>
@@ -18714,7 +18762,7 @@
           <p:cNvPr id="16" name="Picture 15" descr=" 5">
             <a:extLst>
               <a:ext uri="{FF2B5EF4-FFF2-40B4-BE49-F238E27FC236}">
-                <a16:creationId xmlns:a16="http://schemas.microsoft.com/office/drawing/2014/main" id="{61C92CC5-9E48-4EAE-98FE-5A056D1B94D4}"/>
+                <a16:creationId xmlns:a16="http://schemas.microsoft.com/office/drawing/2014/main" id="{EDE35568-85D3-4872-A922-C9F4A446F264}"/>
               </a:ext>
             </a:extLst>
           </p:cNvPr>
@@ -18742,7 +18790,7 @@
     </p:spTree>
     <p:extLst>
       <p:ext uri="{BB962C8B-B14F-4D97-AF65-F5344CB8AC3E}">
-        <p14:creationId xmlns:p14="http://schemas.microsoft.com/office/powerpoint/2010/main" val="523110350"/>
+        <p14:creationId xmlns:p14="http://schemas.microsoft.com/office/powerpoint/2010/main" val="680152708"/>
       </p:ext>
     </p:extLst>
   </p:cSld>
@@ -19336,7 +19384,7 @@
           <p:cNvPr id="16" name="Picture 15" descr=" 5">
             <a:extLst>
               <a:ext uri="{FF2B5EF4-FFF2-40B4-BE49-F238E27FC236}">
-                <a16:creationId xmlns:a16="http://schemas.microsoft.com/office/drawing/2014/main" id="{61C92CC5-9E48-4EAE-98FE-5A056D1B94D4}"/>
+                <a16:creationId xmlns:a16="http://schemas.microsoft.com/office/drawing/2014/main" id="{EDE35568-85D3-4872-A922-C9F4A446F264}"/>
               </a:ext>
             </a:extLst>
           </p:cNvPr>
@@ -19364,7 +19412,7 @@
     </p:spTree>
     <p:extLst>
       <p:ext uri="{BB962C8B-B14F-4D97-AF65-F5344CB8AC3E}">
-        <p14:creationId xmlns:p14="http://schemas.microsoft.com/office/powerpoint/2010/main" val="2569774311"/>
+        <p14:creationId xmlns:p14="http://schemas.microsoft.com/office/powerpoint/2010/main" val="3542383707"/>
       </p:ext>
     </p:extLst>
   </p:cSld>
@@ -19959,7 +20007,7 @@
           <p:cNvPr id="16" name="Picture 15" descr=" 5">
             <a:extLst>
               <a:ext uri="{FF2B5EF4-FFF2-40B4-BE49-F238E27FC236}">
-                <a16:creationId xmlns:a16="http://schemas.microsoft.com/office/drawing/2014/main" id="{61C92CC5-9E48-4EAE-98FE-5A056D1B94D4}"/>
+                <a16:creationId xmlns:a16="http://schemas.microsoft.com/office/drawing/2014/main" id="{EDE35568-85D3-4872-A922-C9F4A446F264}"/>
               </a:ext>
             </a:extLst>
           </p:cNvPr>
@@ -19987,7 +20035,7 @@
     </p:spTree>
     <p:extLst>
       <p:ext uri="{BB962C8B-B14F-4D97-AF65-F5344CB8AC3E}">
-        <p14:creationId xmlns:p14="http://schemas.microsoft.com/office/powerpoint/2010/main" val="3325172050"/>
+        <p14:creationId xmlns:p14="http://schemas.microsoft.com/office/powerpoint/2010/main" val="1358496566"/>
       </p:ext>
     </p:extLst>
   </p:cSld>
@@ -20062,9 +20110,7 @@
               <a:buChar char="•"/>
             </a:pPr>
             <a:r>
-              <a:rPr lang="de-DE" dirty="0">
-                <a:latin typeface="+mj-lt"/>
-              </a:rPr>
+              <a:rPr lang="de-DE" dirty="0"/>
               <a:t>Anzeige von Registern, Stack und Teilen des Hauptspeichers</a:t>
             </a:r>
           </a:p>
@@ -20091,14 +20137,10 @@
               <a:buChar char=" "/>
             </a:pPr>
             <a:r>
-              <a:rPr lang="de-DE">
-                <a:latin typeface="+mj-lt"/>
-              </a:rPr>
+              <a:rPr lang="de-DE"/>
               <a:t>                         </a:t>
             </a:r>
-            <a:endParaRPr lang="de-DE" dirty="0">
-              <a:latin typeface="+mj-lt"/>
-            </a:endParaRPr>
+            <a:endParaRPr lang="de-DE" dirty="0"/>
           </a:p>
           <a:p>
             <a:pPr marL="800100" lvl="1" indent="-342900" algn="l">
@@ -20118,7 +20160,7 @@
               <a:rPr lang="de-DE" sz="1900">
                 <a:latin typeface="+mj-lt"/>
               </a:rPr>
-              <a:t>                                                 </a:t>
+              <a:t>                                                   </a:t>
             </a:r>
             <a:endParaRPr lang="de-DE" sz="1900" dirty="0">
               <a:latin typeface="+mj-lt"/>
@@ -20142,7 +20184,7 @@
               <a:rPr lang="de-DE" sz="1900">
                 <a:latin typeface="+mj-lt"/>
               </a:rPr>
-              <a:t>                                                       </a:t>
+              <a:t>                                                  </a:t>
             </a:r>
             <a:endParaRPr lang="de-DE" sz="1900" dirty="0">
               <a:latin typeface="+mj-lt"/>
@@ -20190,7 +20232,7 @@
               <a:rPr lang="de-DE" sz="1900">
                 <a:latin typeface="+mj-lt"/>
               </a:rPr>
-              <a:t>                                     </a:t>
+              <a:t>                                       </a:t>
             </a:r>
             <a:endParaRPr lang="de-DE" sz="1900" dirty="0">
               <a:latin typeface="+mj-lt"/>
@@ -20653,9 +20695,7 @@
               <a:buChar char="•"/>
             </a:pPr>
             <a:r>
-              <a:rPr lang="de-DE" dirty="0">
-                <a:latin typeface="+mj-lt"/>
-              </a:rPr>
+              <a:rPr lang="de-DE" dirty="0"/>
               <a:t>Anzeige von Registern, Stack und Teilen des Hauptspeichers</a:t>
             </a:r>
           </a:p>
@@ -20683,14 +20723,10 @@
               <a:buChar char=" "/>
             </a:pPr>
             <a:r>
-              <a:rPr lang="de-DE">
-                <a:latin typeface="+mj-lt"/>
-              </a:rPr>
+              <a:rPr lang="de-DE"/>
               <a:t>                         </a:t>
             </a:r>
-            <a:endParaRPr lang="de-DE" dirty="0">
-              <a:latin typeface="+mj-lt"/>
-            </a:endParaRPr>
+            <a:endParaRPr lang="de-DE" dirty="0"/>
           </a:p>
           <a:p>
             <a:pPr marL="800100" lvl="1" indent="-342900" algn="l">
@@ -20710,7 +20746,7 @@
               <a:rPr lang="de-DE" sz="1900">
                 <a:latin typeface="+mj-lt"/>
               </a:rPr>
-              <a:t>                                                 </a:t>
+              <a:t>                                                   </a:t>
             </a:r>
             <a:endParaRPr lang="de-DE" sz="1900" dirty="0">
               <a:latin typeface="+mj-lt"/>
@@ -20734,7 +20770,7 @@
               <a:rPr lang="de-DE" sz="1900">
                 <a:latin typeface="+mj-lt"/>
               </a:rPr>
-              <a:t>                                                       </a:t>
+              <a:t>                                                  </a:t>
             </a:r>
             <a:endParaRPr lang="de-DE" sz="1900" dirty="0">
               <a:latin typeface="+mj-lt"/>
@@ -20782,7 +20818,7 @@
               <a:rPr lang="de-DE" sz="1900">
                 <a:latin typeface="+mj-lt"/>
               </a:rPr>
-              <a:t>                                     </a:t>
+              <a:t>                                       </a:t>
             </a:r>
             <a:endParaRPr lang="de-DE" sz="1900" dirty="0">
               <a:latin typeface="+mj-lt"/>
@@ -21165,7 +21201,7 @@
     </p:spTree>
     <p:extLst>
       <p:ext uri="{BB962C8B-B14F-4D97-AF65-F5344CB8AC3E}">
-        <p14:creationId xmlns:p14="http://schemas.microsoft.com/office/powerpoint/2010/main" val="2117278193"/>
+        <p14:creationId xmlns:p14="http://schemas.microsoft.com/office/powerpoint/2010/main" val="14227618"/>
       </p:ext>
     </p:extLst>
   </p:cSld>
@@ -21245,9 +21281,7 @@
               <a:buChar char="•"/>
             </a:pPr>
             <a:r>
-              <a:rPr lang="de-DE" dirty="0">
-                <a:latin typeface="+mj-lt"/>
-              </a:rPr>
+              <a:rPr lang="de-DE" dirty="0"/>
               <a:t>Anzeige von Registern, Stack und Teilen des Hauptspeichers</a:t>
             </a:r>
           </a:p>
@@ -21309,7 +21343,7 @@
                 </a:solidFill>
                 <a:latin typeface="Calibri Light" panose="020F0302020204030204" pitchFamily="34" charset="0"/>
               </a:rPr>
-              <a:t>– Nächste Zeile und folgen einer mögl. Subroutine</a:t>
+              <a:t>– Nächste Zeile + Springen in eine mögl. Subroutine</a:t>
             </a:r>
           </a:p>
           <a:p>
@@ -21330,7 +21364,7 @@
               <a:rPr lang="de-DE" sz="1900">
                 <a:latin typeface="+mj-lt"/>
               </a:rPr>
-              <a:t>                                                       </a:t>
+              <a:t>                                                  </a:t>
             </a:r>
             <a:endParaRPr lang="de-DE" sz="1900" dirty="0">
               <a:latin typeface="+mj-lt"/>
@@ -21378,7 +21412,7 @@
               <a:rPr lang="de-DE" sz="1900">
                 <a:latin typeface="+mj-lt"/>
               </a:rPr>
-              <a:t>                                     </a:t>
+              <a:t>                                       </a:t>
             </a:r>
             <a:endParaRPr lang="de-DE" sz="1900" dirty="0">
               <a:latin typeface="+mj-lt"/>
@@ -21761,7 +21795,7 @@
     </p:spTree>
     <p:extLst>
       <p:ext uri="{BB962C8B-B14F-4D97-AF65-F5344CB8AC3E}">
-        <p14:creationId xmlns:p14="http://schemas.microsoft.com/office/powerpoint/2010/main" val="3437829427"/>
+        <p14:creationId xmlns:p14="http://schemas.microsoft.com/office/powerpoint/2010/main" val="4017666190"/>
       </p:ext>
     </p:extLst>
   </p:cSld>
@@ -21841,9 +21875,7 @@
               <a:buChar char="•"/>
             </a:pPr>
             <a:r>
-              <a:rPr lang="de-DE" dirty="0">
-                <a:latin typeface="+mj-lt"/>
-              </a:rPr>
+              <a:rPr lang="de-DE" dirty="0"/>
               <a:t>Anzeige von Registern, Stack und Teilen des Hauptspeichers</a:t>
             </a:r>
           </a:p>
@@ -21905,7 +21937,7 @@
                 </a:solidFill>
                 <a:latin typeface="Calibri Light" panose="020F0302020204030204" pitchFamily="34" charset="0"/>
               </a:rPr>
-              <a:t>– Nächste Zeile und folgen einer mögl. Subroutine</a:t>
+              <a:t>– Nächste Zeile + Springen in eine mögl. Subroutine</a:t>
             </a:r>
           </a:p>
           <a:p>
@@ -21936,7 +21968,7 @@
                 </a:solidFill>
                 <a:latin typeface="Calibri Light" panose="020F0302020204030204" pitchFamily="34" charset="0"/>
               </a:rPr>
-              <a:t>– Nächste Zeile und überspringen einer mögl. Subroutine</a:t>
+              <a:t>– Nächste Zeile + Ausführen einer mögl. Subroutine</a:t>
             </a:r>
           </a:p>
           <a:p>
@@ -21981,7 +22013,7 @@
               <a:rPr lang="de-DE" sz="1900">
                 <a:latin typeface="+mj-lt"/>
               </a:rPr>
-              <a:t>                                     </a:t>
+              <a:t>                                       </a:t>
             </a:r>
             <a:endParaRPr lang="de-DE" sz="1900" dirty="0">
               <a:latin typeface="+mj-lt"/>
@@ -22364,7 +22396,7 @@
     </p:spTree>
     <p:extLst>
       <p:ext uri="{BB962C8B-B14F-4D97-AF65-F5344CB8AC3E}">
-        <p14:creationId xmlns:p14="http://schemas.microsoft.com/office/powerpoint/2010/main" val="2870506699"/>
+        <p14:creationId xmlns:p14="http://schemas.microsoft.com/office/powerpoint/2010/main" val="2198525393"/>
       </p:ext>
     </p:extLst>
   </p:cSld>
@@ -22444,9 +22476,7 @@
               <a:buChar char="•"/>
             </a:pPr>
             <a:r>
-              <a:rPr lang="de-DE" dirty="0">
-                <a:latin typeface="+mj-lt"/>
-              </a:rPr>
+              <a:rPr lang="de-DE" dirty="0"/>
               <a:t>Anzeige von Registern, Stack und Teilen des Hauptspeichers</a:t>
             </a:r>
           </a:p>
@@ -22508,7 +22538,7 @@
                 </a:solidFill>
                 <a:latin typeface="Calibri Light" panose="020F0302020204030204" pitchFamily="34" charset="0"/>
               </a:rPr>
-              <a:t>– Nächste Zeile und folgen einer mögl. Subroutine</a:t>
+              <a:t>– Nächste Zeile + Springen in eine mögl. Subroutine</a:t>
             </a:r>
           </a:p>
           <a:p>
@@ -22539,7 +22569,7 @@
                 </a:solidFill>
                 <a:latin typeface="Calibri Light" panose="020F0302020204030204" pitchFamily="34" charset="0"/>
               </a:rPr>
-              <a:t>– Nächste Zeile und überspringen einer mögl. Subroutine</a:t>
+              <a:t>– Nächste Zeile + Ausführen einer mögl. Subroutine</a:t>
             </a:r>
           </a:p>
           <a:p>
@@ -22591,7 +22621,7 @@
               <a:rPr lang="de-DE" sz="1900">
                 <a:latin typeface="+mj-lt"/>
               </a:rPr>
-              <a:t>                                     </a:t>
+              <a:t>                                       </a:t>
             </a:r>
             <a:endParaRPr lang="de-DE" sz="1900" dirty="0">
               <a:latin typeface="+mj-lt"/>
@@ -22974,7 +23004,7 @@
     </p:spTree>
     <p:extLst>
       <p:ext uri="{BB962C8B-B14F-4D97-AF65-F5344CB8AC3E}">
-        <p14:creationId xmlns:p14="http://schemas.microsoft.com/office/powerpoint/2010/main" val="3402363545"/>
+        <p14:creationId xmlns:p14="http://schemas.microsoft.com/office/powerpoint/2010/main" val="3518636221"/>
       </p:ext>
     </p:extLst>
   </p:cSld>
@@ -23054,9 +23084,7 @@
               <a:buChar char="•"/>
             </a:pPr>
             <a:r>
-              <a:rPr lang="de-DE" dirty="0">
-                <a:latin typeface="+mj-lt"/>
-              </a:rPr>
+              <a:rPr lang="de-DE" dirty="0"/>
               <a:t>Anzeige von Registern, Stack und Teilen des Hauptspeichers</a:t>
             </a:r>
           </a:p>
@@ -23118,7 +23146,7 @@
                 </a:solidFill>
                 <a:latin typeface="Calibri Light" panose="020F0302020204030204" pitchFamily="34" charset="0"/>
               </a:rPr>
-              <a:t>– Nächste Zeile und folgen einer mögl. Subroutine</a:t>
+              <a:t>– Nächste Zeile + Springen in eine mögl. Subroutine</a:t>
             </a:r>
           </a:p>
           <a:p>
@@ -23149,7 +23177,7 @@
                 </a:solidFill>
                 <a:latin typeface="Calibri Light" panose="020F0302020204030204" pitchFamily="34" charset="0"/>
               </a:rPr>
-              <a:t>– Nächste Zeile und überspringen einer mögl. Subroutine</a:t>
+              <a:t>– Nächste Zeile + Ausführen einer mögl. Subroutine</a:t>
             </a:r>
           </a:p>
           <a:p>
@@ -23211,7 +23239,7 @@
                 </a:solidFill>
                 <a:latin typeface="Calibri Light" panose="020F0302020204030204" pitchFamily="34" charset="0"/>
               </a:rPr>
-              <a:t>– Herausspringen aus einer Subroutine</a:t>
+              <a:t>– Ausführen bis zum Ende der Subroutine</a:t>
             </a:r>
           </a:p>
           <a:p>
@@ -23591,7 +23619,7 @@
     </p:spTree>
     <p:extLst>
       <p:ext uri="{BB962C8B-B14F-4D97-AF65-F5344CB8AC3E}">
-        <p14:creationId xmlns:p14="http://schemas.microsoft.com/office/powerpoint/2010/main" val="1645547480"/>
+        <p14:creationId xmlns:p14="http://schemas.microsoft.com/office/powerpoint/2010/main" val="3464217339"/>
       </p:ext>
     </p:extLst>
   </p:cSld>
@@ -23679,15 +23707,25 @@
               <a:rPr lang="en-AT" dirty="0">
                 <a:hlinkClick r:id="rId2" action="ppaction://hlinksldjump"/>
               </a:rPr>
-              <a:t>[2]</a:t>
-            </a:r>
-            <a:r>
-              <a:rPr lang="en-AT" dirty="0"/>
+              <a:t>[</a:t>
+            </a:r>
+            <a:r>
+              <a:rPr lang="en-AT">
+                <a:hlinkClick r:id="rId2" action="ppaction://hlinksldjump"/>
+              </a:rPr>
+              <a:t>2]</a:t>
+            </a:r>
+            <a:r>
+              <a:rPr lang="en-AT"/>
               <a:t> </a:t>
             </a:r>
             <a:r>
+              <a:rPr lang="de-DE"/>
+              <a:t>als </a:t>
+            </a:r>
+            <a:r>
               <a:rPr lang="de-DE" dirty="0"/>
-              <a:t>als Beispiel einer Befehlssatzarchitektur</a:t>
+              <a:t>Beispiel einer Befehlssatzarchitektur</a:t>
             </a:r>
           </a:p>
           <a:p>
@@ -23699,7 +23737,7 @@
               <a:buChar char="•"/>
             </a:pPr>
             <a:r>
-              <a:rPr lang="de-DE" dirty="0">
+              <a:rPr lang="de-DE">
                 <a:latin typeface="Calibri Light" panose="020F0302020204030204" pitchFamily="34" charset="0"/>
               </a:rPr>
               <a:t>Schreiben von Assembler-Programme und Ausführung auf einer ARMv5 Architektur</a:t>
@@ -23714,27 +23752,28 @@
               <a:buChar char=" "/>
             </a:pPr>
             <a:r>
-              <a:rPr lang="de-DE" dirty="0"/>
+              <a:rPr lang="de-DE"/>
               <a:t>                            </a:t>
             </a:r>
             <a:r>
-              <a:rPr lang="en-AT" dirty="0"/>
+              <a:rPr lang="en-AT"/>
               <a:t> </a:t>
             </a:r>
             <a:r>
-              <a:rPr lang="en-AT" dirty="0">
+              <a:rPr lang="en-AT">
                 <a:hlinkClick r:id="rId2" action="ppaction://hlinksldjump"/>
               </a:rPr>
               <a:t>  </a:t>
             </a:r>
             <a:r>
-              <a:rPr lang="en-AT" dirty="0"/>
+              <a:rPr lang="en-AT"/>
               <a:t> </a:t>
             </a:r>
             <a:r>
-              <a:rPr lang="de-DE" dirty="0"/>
+              <a:rPr lang="de-DE"/>
               <a:t> </a:t>
             </a:r>
+            <a:endParaRPr lang="de-DE" dirty="0"/>
           </a:p>
           <a:p>
             <a:pPr marL="342900" indent="-342900">
@@ -23765,21 +23804,21 @@
               <a:buChar char=" "/>
             </a:pPr>
             <a:r>
-              <a:rPr lang="de-DE" dirty="0"/>
+              <a:rPr lang="de-DE"/>
               <a:t>                                      </a:t>
             </a:r>
             <a:r>
-              <a:rPr lang="en-AT" dirty="0"/>
+              <a:rPr lang="en-AT"/>
               <a:t> </a:t>
             </a:r>
             <a:r>
-              <a:rPr lang="en-AT" dirty="0">
+              <a:rPr lang="en-AT">
                 <a:hlinkClick r:id="rId2" action="ppaction://hlinksldjump"/>
               </a:rPr>
               <a:t>  </a:t>
             </a:r>
             <a:r>
-              <a:rPr lang="en-AT" dirty="0"/>
+              <a:rPr lang="en-AT"/>
               <a:t> </a:t>
             </a:r>
             <a:endParaRPr lang="de-DE" dirty="0"/>
@@ -23793,29 +23832,29 @@
               <a:buChar char=" "/>
             </a:pPr>
             <a:r>
-              <a:rPr lang="de-DE" dirty="0"/>
+              <a:rPr lang="de-DE"/>
               <a:t>                                                               </a:t>
             </a:r>
             <a:r>
-              <a:rPr lang="en-AT" dirty="0"/>
+              <a:rPr lang="en-AT"/>
               <a:t>      </a:t>
             </a:r>
             <a:r>
-              <a:rPr lang="de-DE" dirty="0"/>
+              <a:rPr lang="de-DE"/>
               <a:t>   </a:t>
             </a:r>
             <a:r>
-              <a:rPr lang="en-AT" dirty="0"/>
+              <a:rPr lang="en-AT"/>
               <a:t> </a:t>
             </a:r>
             <a:r>
-              <a:rPr lang="en-AT" dirty="0">
+              <a:rPr lang="en-AT">
                 <a:hlinkClick r:id="rId2" action="ppaction://hlinksldjump"/>
               </a:rPr>
               <a:t>  </a:t>
             </a:r>
             <a:r>
-              <a:rPr lang="en-AT" dirty="0"/>
+              <a:rPr lang="en-AT"/>
               <a:t> </a:t>
             </a:r>
             <a:endParaRPr lang="de-DE" dirty="0"/>
@@ -24183,7 +24222,7 @@
     </p:spTree>
     <p:extLst>
       <p:ext uri="{BB962C8B-B14F-4D97-AF65-F5344CB8AC3E}">
-        <p14:creationId xmlns:p14="http://schemas.microsoft.com/office/powerpoint/2010/main" val="2679674645"/>
+        <p14:creationId xmlns:p14="http://schemas.microsoft.com/office/powerpoint/2010/main" val="1482206865"/>
       </p:ext>
     </p:extLst>
   </p:cSld>
@@ -24263,9 +24302,7 @@
               <a:buChar char="•"/>
             </a:pPr>
             <a:r>
-              <a:rPr lang="de-DE" dirty="0">
-                <a:latin typeface="+mj-lt"/>
-              </a:rPr>
+              <a:rPr lang="de-DE" dirty="0"/>
               <a:t>Anzeige von Registern, Stack und Teilen des Hauptspeichers</a:t>
             </a:r>
           </a:p>
@@ -24327,7 +24364,7 @@
                 </a:solidFill>
                 <a:latin typeface="Calibri Light" panose="020F0302020204030204" pitchFamily="34" charset="0"/>
               </a:rPr>
-              <a:t>– Nächste Zeile und folgen einer mögl. Subroutine</a:t>
+              <a:t>– Nächste Zeile + Springen in eine mögl. Subroutine</a:t>
             </a:r>
           </a:p>
           <a:p>
@@ -24358,7 +24395,7 @@
                 </a:solidFill>
                 <a:latin typeface="Calibri Light" panose="020F0302020204030204" pitchFamily="34" charset="0"/>
               </a:rPr>
-              <a:t>– Nächste Zeile und überspringen einer mögl. Subroutine</a:t>
+              <a:t>– Nächste Zeile + Ausführen einer mögl. Subroutine</a:t>
             </a:r>
           </a:p>
           <a:p>
@@ -24420,7 +24457,7 @@
                 </a:solidFill>
                 <a:latin typeface="Calibri Light" panose="020F0302020204030204" pitchFamily="34" charset="0"/>
               </a:rPr>
-              <a:t>– Herausspringen aus einer Subroutine</a:t>
+              <a:t>– Ausführen bis zum Ende der Subroutine</a:t>
             </a:r>
           </a:p>
           <a:p>
@@ -24810,7 +24847,7 @@
     </p:spTree>
     <p:extLst>
       <p:ext uri="{BB962C8B-B14F-4D97-AF65-F5344CB8AC3E}">
-        <p14:creationId xmlns:p14="http://schemas.microsoft.com/office/powerpoint/2010/main" val="2669338294"/>
+        <p14:creationId xmlns:p14="http://schemas.microsoft.com/office/powerpoint/2010/main" val="964774446"/>
       </p:ext>
     </p:extLst>
   </p:cSld>
@@ -26034,7 +26071,7 @@
           <p:cNvPr id="16" name="Picture 15" descr=" 6">
             <a:extLst>
               <a:ext uri="{FF2B5EF4-FFF2-40B4-BE49-F238E27FC236}">
-                <a16:creationId xmlns:a16="http://schemas.microsoft.com/office/drawing/2014/main" id="{8A3F1243-BC11-4699-9430-18171A46229C}"/>
+                <a16:creationId xmlns:a16="http://schemas.microsoft.com/office/drawing/2014/main" id="{772ABD3C-5DD9-49F0-9181-B24500D9965E}"/>
               </a:ext>
             </a:extLst>
           </p:cNvPr>
@@ -26062,7 +26099,7 @@
     </p:spTree>
     <p:extLst>
       <p:ext uri="{BB962C8B-B14F-4D97-AF65-F5344CB8AC3E}">
-        <p14:creationId xmlns:p14="http://schemas.microsoft.com/office/powerpoint/2010/main" val="1003181256"/>
+        <p14:creationId xmlns:p14="http://schemas.microsoft.com/office/powerpoint/2010/main" val="1527473086"/>
       </p:ext>
     </p:extLst>
   </p:cSld>
@@ -26675,7 +26712,7 @@
           <p:cNvPr id="16" name="Picture 15" descr=" 6">
             <a:extLst>
               <a:ext uri="{FF2B5EF4-FFF2-40B4-BE49-F238E27FC236}">
-                <a16:creationId xmlns:a16="http://schemas.microsoft.com/office/drawing/2014/main" id="{8A3F1243-BC11-4699-9430-18171A46229C}"/>
+                <a16:creationId xmlns:a16="http://schemas.microsoft.com/office/drawing/2014/main" id="{772ABD3C-5DD9-49F0-9181-B24500D9965E}"/>
               </a:ext>
             </a:extLst>
           </p:cNvPr>
@@ -26703,7 +26740,7 @@
     </p:spTree>
     <p:extLst>
       <p:ext uri="{BB962C8B-B14F-4D97-AF65-F5344CB8AC3E}">
-        <p14:creationId xmlns:p14="http://schemas.microsoft.com/office/powerpoint/2010/main" val="3315018840"/>
+        <p14:creationId xmlns:p14="http://schemas.microsoft.com/office/powerpoint/2010/main" val="2044055014"/>
       </p:ext>
     </p:extLst>
   </p:cSld>
@@ -27328,7 +27365,7 @@
           <p:cNvPr id="16" name="Picture 15" descr=" 6">
             <a:extLst>
               <a:ext uri="{FF2B5EF4-FFF2-40B4-BE49-F238E27FC236}">
-                <a16:creationId xmlns:a16="http://schemas.microsoft.com/office/drawing/2014/main" id="{8A3F1243-BC11-4699-9430-18171A46229C}"/>
+                <a16:creationId xmlns:a16="http://schemas.microsoft.com/office/drawing/2014/main" id="{772ABD3C-5DD9-49F0-9181-B24500D9965E}"/>
               </a:ext>
             </a:extLst>
           </p:cNvPr>
@@ -27358,7 +27395,7 @@
           <p:cNvPr id="17" name="Rectangle 16" descr=" 4">
             <a:extLst>
               <a:ext uri="{FF2B5EF4-FFF2-40B4-BE49-F238E27FC236}">
-                <a16:creationId xmlns:a16="http://schemas.microsoft.com/office/drawing/2014/main" id="{A0AD605A-0E97-460E-AF9B-4455A50BB181}"/>
+                <a16:creationId xmlns:a16="http://schemas.microsoft.com/office/drawing/2014/main" id="{F8A3AA80-0BFC-4025-B8F6-C977C8A21E8A}"/>
               </a:ext>
             </a:extLst>
           </p:cNvPr>
@@ -27408,7 +27445,7 @@
     </p:spTree>
     <p:extLst>
       <p:ext uri="{BB962C8B-B14F-4D97-AF65-F5344CB8AC3E}">
-        <p14:creationId xmlns:p14="http://schemas.microsoft.com/office/powerpoint/2010/main" val="2748285565"/>
+        <p14:creationId xmlns:p14="http://schemas.microsoft.com/office/powerpoint/2010/main" val="830189431"/>
       </p:ext>
     </p:extLst>
   </p:cSld>
@@ -28045,7 +28082,7 @@
           <p:cNvPr id="16" name="Picture 15" descr=" 6">
             <a:extLst>
               <a:ext uri="{FF2B5EF4-FFF2-40B4-BE49-F238E27FC236}">
-                <a16:creationId xmlns:a16="http://schemas.microsoft.com/office/drawing/2014/main" id="{8A3F1243-BC11-4699-9430-18171A46229C}"/>
+                <a16:creationId xmlns:a16="http://schemas.microsoft.com/office/drawing/2014/main" id="{772ABD3C-5DD9-49F0-9181-B24500D9965E}"/>
               </a:ext>
             </a:extLst>
           </p:cNvPr>
@@ -28075,7 +28112,7 @@
           <p:cNvPr id="18" name="Rectangle 17" descr=" 16">
             <a:extLst>
               <a:ext uri="{FF2B5EF4-FFF2-40B4-BE49-F238E27FC236}">
-                <a16:creationId xmlns:a16="http://schemas.microsoft.com/office/drawing/2014/main" id="{9074C380-EA42-4762-BD87-BFBF0A46A4B6}"/>
+                <a16:creationId xmlns:a16="http://schemas.microsoft.com/office/drawing/2014/main" id="{1F82458F-8EA6-4E72-B6D0-1F620DC09F92}"/>
               </a:ext>
             </a:extLst>
           </p:cNvPr>
@@ -28125,7 +28162,7 @@
     </p:spTree>
     <p:extLst>
       <p:ext uri="{BB962C8B-B14F-4D97-AF65-F5344CB8AC3E}">
-        <p14:creationId xmlns:p14="http://schemas.microsoft.com/office/powerpoint/2010/main" val="4176599316"/>
+        <p14:creationId xmlns:p14="http://schemas.microsoft.com/office/powerpoint/2010/main" val="1315637387"/>
       </p:ext>
     </p:extLst>
   </p:cSld>
@@ -28774,7 +28811,7 @@
           <p:cNvPr id="16" name="Picture 15" descr=" 6">
             <a:extLst>
               <a:ext uri="{FF2B5EF4-FFF2-40B4-BE49-F238E27FC236}">
-                <a16:creationId xmlns:a16="http://schemas.microsoft.com/office/drawing/2014/main" id="{8A3F1243-BC11-4699-9430-18171A46229C}"/>
+                <a16:creationId xmlns:a16="http://schemas.microsoft.com/office/drawing/2014/main" id="{772ABD3C-5DD9-49F0-9181-B24500D9965E}"/>
               </a:ext>
             </a:extLst>
           </p:cNvPr>
@@ -28804,7 +28841,7 @@
           <p:cNvPr id="17" name="Rectangle 16" descr=" 17">
             <a:extLst>
               <a:ext uri="{FF2B5EF4-FFF2-40B4-BE49-F238E27FC236}">
-                <a16:creationId xmlns:a16="http://schemas.microsoft.com/office/drawing/2014/main" id="{749AB5C6-6895-4DD4-8D43-9DC9FB1AF326}"/>
+                <a16:creationId xmlns:a16="http://schemas.microsoft.com/office/drawing/2014/main" id="{4664A3F7-90D2-4B09-85C6-C511339E3F7D}"/>
               </a:ext>
             </a:extLst>
           </p:cNvPr>
@@ -28854,7 +28891,7 @@
     </p:spTree>
     <p:extLst>
       <p:ext uri="{BB962C8B-B14F-4D97-AF65-F5344CB8AC3E}">
-        <p14:creationId xmlns:p14="http://schemas.microsoft.com/office/powerpoint/2010/main" val="1276944042"/>
+        <p14:creationId xmlns:p14="http://schemas.microsoft.com/office/powerpoint/2010/main" val="3085041498"/>
       </p:ext>
     </p:extLst>
   </p:cSld>
@@ -30111,7 +30148,7 @@
           <p:cNvPr id="16" name="Rectangle 15" descr=" 17">
             <a:extLst>
               <a:ext uri="{FF2B5EF4-FFF2-40B4-BE49-F238E27FC236}">
-                <a16:creationId xmlns:a16="http://schemas.microsoft.com/office/drawing/2014/main" id="{4CE4C7A2-ECF5-4BFC-8A00-9D282B4A7A85}"/>
+                <a16:creationId xmlns:a16="http://schemas.microsoft.com/office/drawing/2014/main" id="{58A6DF91-208A-4D7A-9462-0A32EE424466}"/>
               </a:ext>
             </a:extLst>
           </p:cNvPr>
@@ -30161,7 +30198,7 @@
     </p:spTree>
     <p:extLst>
       <p:ext uri="{BB962C8B-B14F-4D97-AF65-F5344CB8AC3E}">
-        <p14:creationId xmlns:p14="http://schemas.microsoft.com/office/powerpoint/2010/main" val="2232243116"/>
+        <p14:creationId xmlns:p14="http://schemas.microsoft.com/office/powerpoint/2010/main" val="1716582996"/>
       </p:ext>
     </p:extLst>
   </p:cSld>
@@ -30796,7 +30833,7 @@
           <p:cNvPr id="17" name="Rectangle 16" descr=" 18">
             <a:extLst>
               <a:ext uri="{FF2B5EF4-FFF2-40B4-BE49-F238E27FC236}">
-                <a16:creationId xmlns:a16="http://schemas.microsoft.com/office/drawing/2014/main" id="{FE421A97-B1F0-4139-8BD1-853485E0C78E}"/>
+                <a16:creationId xmlns:a16="http://schemas.microsoft.com/office/drawing/2014/main" id="{3949318A-68C7-4BBA-BA39-261791282F1B}"/>
               </a:ext>
             </a:extLst>
           </p:cNvPr>
@@ -30846,7 +30883,7 @@
     </p:spTree>
     <p:extLst>
       <p:ext uri="{BB962C8B-B14F-4D97-AF65-F5344CB8AC3E}">
-        <p14:creationId xmlns:p14="http://schemas.microsoft.com/office/powerpoint/2010/main" val="1558213507"/>
+        <p14:creationId xmlns:p14="http://schemas.microsoft.com/office/powerpoint/2010/main" val="3421619108"/>
       </p:ext>
     </p:extLst>
   </p:cSld>
@@ -31446,7 +31483,7 @@
     </p:spTree>
     <p:extLst>
       <p:ext uri="{BB962C8B-B14F-4D97-AF65-F5344CB8AC3E}">
-        <p14:creationId xmlns:p14="http://schemas.microsoft.com/office/powerpoint/2010/main" val="3359960820"/>
+        <p14:creationId xmlns:p14="http://schemas.microsoft.com/office/powerpoint/2010/main" val="2402992163"/>
       </p:ext>
     </p:extLst>
   </p:cSld>
@@ -31473,6 +31510,36 @@
           <a:chExt cx="0" cy="0"/>
         </a:xfrm>
       </p:grpSpPr>
+      <p:pic>
+        <p:nvPicPr>
+          <p:cNvPr id="16" name="Picture 15" descr=" 16">
+            <a:extLst>
+              <a:ext uri="{FF2B5EF4-FFF2-40B4-BE49-F238E27FC236}">
+                <a16:creationId xmlns:a16="http://schemas.microsoft.com/office/drawing/2014/main" id="{BE13FE45-F6AD-49B7-B343-61056BF0B064}"/>
+              </a:ext>
+            </a:extLst>
+          </p:cNvPr>
+          <p:cNvPicPr>
+            <a:picLocks noChangeAspect="1"/>
+          </p:cNvPicPr>
+          <p:nvPr/>
+        </p:nvPicPr>
+        <p:blipFill>
+          <a:blip r:embed="rId3"/>
+          <a:stretch>
+            <a:fillRect/>
+          </a:stretch>
+        </p:blipFill>
+        <p:spPr>
+          <a:xfrm>
+            <a:off x="2170800" y="723600"/>
+            <a:ext cx="7848000" cy="2533362"/>
+          </a:xfrm>
+          <a:prstGeom prst="rect">
+            <a:avLst/>
+          </a:prstGeom>
+        </p:spPr>
+      </p:pic>
       <p:sp>
         <p:nvSpPr>
           <p:cNvPr id="12" name="Untertitel 11" descr=" 12"/>
@@ -31541,16 +31608,12 @@
             </a:endParaRPr>
           </a:p>
           <a:p>
-            <a:pPr marL="800100" lvl="1" indent="-342900" algn="l">
-              <a:lnSpc>
-                <a:spcPct val="100000"/>
-              </a:lnSpc>
-              <a:buFont typeface="Arial" panose="020B0604020202020204" pitchFamily="34" charset="0"/>
-              <a:buChar char="•"/>
-            </a:pPr>
-            <a:endParaRPr lang="de-DE" sz="1900" dirty="0">
-              <a:latin typeface="+mj-lt"/>
-            </a:endParaRPr>
+            <a:pPr>
+              <a:lnSpc>
+                <a:spcPct val="100000"/>
+              </a:lnSpc>
+            </a:pPr>
+            <a:endParaRPr lang="de-DE" sz="1800" dirty="0"/>
           </a:p>
           <a:p>
             <a:pPr marL="342900" indent="-342900">
@@ -31562,7 +31625,7 @@
             </a:pPr>
             <a:r>
               <a:rPr lang="de-DE" sz="1800"/>
-              <a:t>                                                               </a:t>
+              <a:t>                                                                          </a:t>
             </a:r>
             <a:endParaRPr lang="de-DE" sz="1800" dirty="0"/>
           </a:p>
@@ -31944,36 +32007,6 @@
           </a:p>
         </p:txBody>
       </p:sp>
-      <p:pic>
-        <p:nvPicPr>
-          <p:cNvPr id="5" name="Picture 4" descr=" 5">
-            <a:extLst>
-              <a:ext uri="{FF2B5EF4-FFF2-40B4-BE49-F238E27FC236}">
-                <a16:creationId xmlns:a16="http://schemas.microsoft.com/office/drawing/2014/main" id="{887B80C6-DCC0-4C71-913F-9B4D6BE7E7F1}"/>
-              </a:ext>
-            </a:extLst>
-          </p:cNvPr>
-          <p:cNvPicPr>
-            <a:picLocks noChangeAspect="1"/>
-          </p:cNvPicPr>
-          <p:nvPr/>
-        </p:nvPicPr>
-        <p:blipFill>
-          <a:blip r:embed="rId3"/>
-          <a:stretch>
-            <a:fillRect/>
-          </a:stretch>
-        </p:blipFill>
-        <p:spPr>
-          <a:xfrm>
-            <a:off x="2171563" y="724722"/>
-            <a:ext cx="7848872" cy="2533644"/>
-          </a:xfrm>
-          <a:prstGeom prst="rect">
-            <a:avLst/>
-          </a:prstGeom>
-        </p:spPr>
-      </p:pic>
     </p:spTree>
     <p:extLst>
       <p:ext uri="{BB962C8B-B14F-4D97-AF65-F5344CB8AC3E}">
@@ -32004,6 +32037,66 @@
           <a:chExt cx="0" cy="0"/>
         </a:xfrm>
       </p:grpSpPr>
+      <p:pic>
+        <p:nvPicPr>
+          <p:cNvPr id="16" name="Picture 15" descr=" 16">
+            <a:extLst>
+              <a:ext uri="{FF2B5EF4-FFF2-40B4-BE49-F238E27FC236}">
+                <a16:creationId xmlns:a16="http://schemas.microsoft.com/office/drawing/2014/main" id="{BE13FE45-F6AD-49B7-B343-61056BF0B064}"/>
+              </a:ext>
+            </a:extLst>
+          </p:cNvPr>
+          <p:cNvPicPr>
+            <a:picLocks noChangeAspect="1"/>
+          </p:cNvPicPr>
+          <p:nvPr/>
+        </p:nvPicPr>
+        <p:blipFill>
+          <a:blip r:embed="rId2"/>
+          <a:stretch>
+            <a:fillRect/>
+          </a:stretch>
+        </p:blipFill>
+        <p:spPr>
+          <a:xfrm>
+            <a:off x="2170800" y="723600"/>
+            <a:ext cx="7848000" cy="2533362"/>
+          </a:xfrm>
+          <a:prstGeom prst="rect">
+            <a:avLst/>
+          </a:prstGeom>
+        </p:spPr>
+      </p:pic>
+      <p:pic>
+        <p:nvPicPr>
+          <p:cNvPr id="11" name="Picture 10" descr=" 9">
+            <a:extLst>
+              <a:ext uri="{FF2B5EF4-FFF2-40B4-BE49-F238E27FC236}">
+                <a16:creationId xmlns:a16="http://schemas.microsoft.com/office/drawing/2014/main" id="{83FB1BAC-87E8-4B06-A06B-127F01F8DABA}"/>
+              </a:ext>
+            </a:extLst>
+          </p:cNvPr>
+          <p:cNvPicPr>
+            <a:picLocks noChangeAspect="1"/>
+          </p:cNvPicPr>
+          <p:nvPr/>
+        </p:nvPicPr>
+        <p:blipFill>
+          <a:blip r:embed="rId3"/>
+          <a:stretch>
+            <a:fillRect/>
+          </a:stretch>
+        </p:blipFill>
+        <p:spPr>
+          <a:xfrm>
+            <a:off x="2171563" y="723600"/>
+            <a:ext cx="7848000" cy="2533363"/>
+          </a:xfrm>
+          <a:prstGeom prst="rect">
+            <a:avLst/>
+          </a:prstGeom>
+        </p:spPr>
+      </p:pic>
       <p:sp>
         <p:nvSpPr>
           <p:cNvPr id="12" name="Untertitel 11" descr=" 12"/>
@@ -32079,16 +32172,12 @@
             </a:r>
           </a:p>
           <a:p>
-            <a:pPr marL="800100" lvl="1" indent="-342900" algn="l">
-              <a:lnSpc>
-                <a:spcPct val="100000"/>
-              </a:lnSpc>
-              <a:buFont typeface="Arial" panose="020B0604020202020204" pitchFamily="34" charset="0"/>
-              <a:buChar char="•"/>
-            </a:pPr>
-            <a:endParaRPr lang="de-DE" sz="1900" dirty="0">
-              <a:latin typeface="+mj-lt"/>
-            </a:endParaRPr>
+            <a:pPr>
+              <a:lnSpc>
+                <a:spcPct val="100000"/>
+              </a:lnSpc>
+            </a:pPr>
+            <a:endParaRPr lang="de-DE" sz="1800" dirty="0"/>
           </a:p>
           <a:p>
             <a:pPr marL="342900" indent="-342900">
@@ -32100,7 +32189,7 @@
             </a:pPr>
             <a:r>
               <a:rPr lang="de-DE" sz="1800"/>
-              <a:t>                                                               </a:t>
+              <a:t>                                                                          </a:t>
             </a:r>
             <a:endParaRPr lang="de-DE" sz="1800" dirty="0"/>
           </a:p>
@@ -32482,70 +32571,10 @@
           </a:p>
         </p:txBody>
       </p:sp>
-      <p:pic>
-        <p:nvPicPr>
-          <p:cNvPr id="5" name="Picture 4" descr=" 5">
-            <a:extLst>
-              <a:ext uri="{FF2B5EF4-FFF2-40B4-BE49-F238E27FC236}">
-                <a16:creationId xmlns:a16="http://schemas.microsoft.com/office/drawing/2014/main" id="{887B80C6-DCC0-4C71-913F-9B4D6BE7E7F1}"/>
-              </a:ext>
-            </a:extLst>
-          </p:cNvPr>
-          <p:cNvPicPr>
-            <a:picLocks noChangeAspect="1"/>
-          </p:cNvPicPr>
-          <p:nvPr/>
-        </p:nvPicPr>
-        <p:blipFill>
-          <a:blip r:embed="rId2"/>
-          <a:stretch>
-            <a:fillRect/>
-          </a:stretch>
-        </p:blipFill>
-        <p:spPr>
-          <a:xfrm>
-            <a:off x="2171563" y="724722"/>
-            <a:ext cx="7848872" cy="2533644"/>
-          </a:xfrm>
-          <a:prstGeom prst="rect">
-            <a:avLst/>
-          </a:prstGeom>
-        </p:spPr>
-      </p:pic>
-      <p:pic>
-        <p:nvPicPr>
-          <p:cNvPr id="11" name="Picture 10" descr=" 7">
-            <a:extLst>
-              <a:ext uri="{FF2B5EF4-FFF2-40B4-BE49-F238E27FC236}">
-                <a16:creationId xmlns:a16="http://schemas.microsoft.com/office/drawing/2014/main" id="{0136296F-46A0-49F3-9512-6E0B0DCCDD47}"/>
-              </a:ext>
-            </a:extLst>
-          </p:cNvPr>
-          <p:cNvPicPr>
-            <a:picLocks noChangeAspect="1"/>
-          </p:cNvPicPr>
-          <p:nvPr/>
-        </p:nvPicPr>
-        <p:blipFill>
-          <a:blip r:embed="rId3"/>
-          <a:stretch>
-            <a:fillRect/>
-          </a:stretch>
-        </p:blipFill>
-        <p:spPr>
-          <a:xfrm>
-            <a:off x="2171563" y="724720"/>
-            <a:ext cx="7848873" cy="2533644"/>
-          </a:xfrm>
-          <a:prstGeom prst="rect">
-            <a:avLst/>
-          </a:prstGeom>
-        </p:spPr>
-      </p:pic>
     </p:spTree>
     <p:extLst>
       <p:ext uri="{BB962C8B-B14F-4D97-AF65-F5344CB8AC3E}">
-        <p14:creationId xmlns:p14="http://schemas.microsoft.com/office/powerpoint/2010/main" val="1865669228"/>
+        <p14:creationId xmlns:p14="http://schemas.microsoft.com/office/powerpoint/2010/main" val="815005448"/>
       </p:ext>
     </p:extLst>
   </p:cSld>
@@ -32572,6 +32601,36 @@
           <a:chExt cx="0" cy="0"/>
         </a:xfrm>
       </p:grpSpPr>
+      <p:pic>
+        <p:nvPicPr>
+          <p:cNvPr id="16" name="Picture 15" descr=" 16">
+            <a:extLst>
+              <a:ext uri="{FF2B5EF4-FFF2-40B4-BE49-F238E27FC236}">
+                <a16:creationId xmlns:a16="http://schemas.microsoft.com/office/drawing/2014/main" id="{BE13FE45-F6AD-49B7-B343-61056BF0B064}"/>
+              </a:ext>
+            </a:extLst>
+          </p:cNvPr>
+          <p:cNvPicPr>
+            <a:picLocks noChangeAspect="1"/>
+          </p:cNvPicPr>
+          <p:nvPr/>
+        </p:nvPicPr>
+        <p:blipFill>
+          <a:blip r:embed="rId2"/>
+          <a:stretch>
+            <a:fillRect/>
+          </a:stretch>
+        </p:blipFill>
+        <p:spPr>
+          <a:xfrm>
+            <a:off x="2170800" y="723600"/>
+            <a:ext cx="7848000" cy="2533362"/>
+          </a:xfrm>
+          <a:prstGeom prst="rect">
+            <a:avLst/>
+          </a:prstGeom>
+        </p:spPr>
+      </p:pic>
       <p:sp>
         <p:nvSpPr>
           <p:cNvPr id="12" name="Untertitel 11" descr=" 12"/>
@@ -32647,16 +32706,12 @@
             </a:r>
           </a:p>
           <a:p>
-            <a:pPr marL="800100" lvl="1" indent="-342900" algn="l">
-              <a:lnSpc>
-                <a:spcPct val="100000"/>
-              </a:lnSpc>
-              <a:buFont typeface="Arial" panose="020B0604020202020204" pitchFamily="34" charset="0"/>
-              <a:buChar char="•"/>
-            </a:pPr>
-            <a:endParaRPr lang="de-DE" sz="1900" dirty="0">
-              <a:latin typeface="+mj-lt"/>
-            </a:endParaRPr>
+            <a:pPr>
+              <a:lnSpc>
+                <a:spcPct val="100000"/>
+              </a:lnSpc>
+            </a:pPr>
+            <a:endParaRPr lang="de-DE" sz="1800" dirty="0"/>
           </a:p>
           <a:p>
             <a:pPr marL="342900" indent="-342900">
@@ -32670,7 +32725,7 @@
               <a:rPr lang="de-DE" sz="1800">
                 <a:latin typeface="Calibri Light" panose="020F0302020204030204" pitchFamily="34" charset="0"/>
               </a:rPr>
-              <a:t>Parser und arithmetischen Operation + Visualisierung zum Testen</a:t>
+              <a:t>Beginn mit Parser und arithmetischen Operation + Visualisierung zum Testen</a:t>
             </a:r>
           </a:p>
           <a:p>
@@ -33051,40 +33106,10 @@
           </a:p>
         </p:txBody>
       </p:sp>
-      <p:pic>
-        <p:nvPicPr>
-          <p:cNvPr id="5" name="Picture 4" descr=" 5">
-            <a:extLst>
-              <a:ext uri="{FF2B5EF4-FFF2-40B4-BE49-F238E27FC236}">
-                <a16:creationId xmlns:a16="http://schemas.microsoft.com/office/drawing/2014/main" id="{887B80C6-DCC0-4C71-913F-9B4D6BE7E7F1}"/>
-              </a:ext>
-            </a:extLst>
-          </p:cNvPr>
-          <p:cNvPicPr>
-            <a:picLocks noChangeAspect="1"/>
-          </p:cNvPicPr>
-          <p:nvPr/>
-        </p:nvPicPr>
-        <p:blipFill>
-          <a:blip r:embed="rId2"/>
-          <a:stretch>
-            <a:fillRect/>
-          </a:stretch>
-        </p:blipFill>
-        <p:spPr>
-          <a:xfrm>
-            <a:off x="2171563" y="724722"/>
-            <a:ext cx="7848872" cy="2533644"/>
-          </a:xfrm>
-          <a:prstGeom prst="rect">
-            <a:avLst/>
-          </a:prstGeom>
-        </p:spPr>
-      </p:pic>
     </p:spTree>
     <p:extLst>
       <p:ext uri="{BB962C8B-B14F-4D97-AF65-F5344CB8AC3E}">
-        <p14:creationId xmlns:p14="http://schemas.microsoft.com/office/powerpoint/2010/main" val="2018339092"/>
+        <p14:creationId xmlns:p14="http://schemas.microsoft.com/office/powerpoint/2010/main" val="1822394567"/>
       </p:ext>
     </p:extLst>
   </p:cSld>
@@ -33111,6 +33136,36 @@
           <a:chExt cx="0" cy="0"/>
         </a:xfrm>
       </p:grpSpPr>
+      <p:pic>
+        <p:nvPicPr>
+          <p:cNvPr id="16" name="Picture 15" descr=" 16">
+            <a:extLst>
+              <a:ext uri="{FF2B5EF4-FFF2-40B4-BE49-F238E27FC236}">
+                <a16:creationId xmlns:a16="http://schemas.microsoft.com/office/drawing/2014/main" id="{BE13FE45-F6AD-49B7-B343-61056BF0B064}"/>
+              </a:ext>
+            </a:extLst>
+          </p:cNvPr>
+          <p:cNvPicPr>
+            <a:picLocks noChangeAspect="1"/>
+          </p:cNvPicPr>
+          <p:nvPr/>
+        </p:nvPicPr>
+        <p:blipFill>
+          <a:blip r:embed="rId2"/>
+          <a:stretch>
+            <a:fillRect/>
+          </a:stretch>
+        </p:blipFill>
+        <p:spPr>
+          <a:xfrm>
+            <a:off x="2170800" y="723600"/>
+            <a:ext cx="7848000" cy="2533362"/>
+          </a:xfrm>
+          <a:prstGeom prst="rect">
+            <a:avLst/>
+          </a:prstGeom>
+        </p:spPr>
+      </p:pic>
       <p:sp>
         <p:nvSpPr>
           <p:cNvPr id="12" name="Untertitel 11" descr=" 12"/>
@@ -33186,16 +33241,12 @@
             </a:r>
           </a:p>
           <a:p>
-            <a:pPr marL="800100" lvl="1" indent="-342900" algn="l">
-              <a:lnSpc>
-                <a:spcPct val="100000"/>
-              </a:lnSpc>
-              <a:buFont typeface="Arial" panose="020B0604020202020204" pitchFamily="34" charset="0"/>
-              <a:buChar char="•"/>
-            </a:pPr>
-            <a:endParaRPr lang="de-DE" sz="1900" dirty="0">
-              <a:latin typeface="+mj-lt"/>
-            </a:endParaRPr>
+            <a:pPr>
+              <a:lnSpc>
+                <a:spcPct val="100000"/>
+              </a:lnSpc>
+            </a:pPr>
+            <a:endParaRPr lang="de-DE" sz="1800" dirty="0"/>
           </a:p>
           <a:p>
             <a:pPr marL="342900" indent="-342900">
@@ -33209,7 +33260,7 @@
               <a:rPr lang="de-DE" sz="1800">
                 <a:latin typeface="Calibri Light" panose="020F0302020204030204" pitchFamily="34" charset="0"/>
               </a:rPr>
-              <a:t>Parser und arithmetischen Operation + Visualisierung zum Testen</a:t>
+              <a:t>Beginn mit Parser und arithmetischen Operation + Visualisierung zum Testen</a:t>
             </a:r>
           </a:p>
           <a:p>
@@ -33591,40 +33642,10 @@
           </a:p>
         </p:txBody>
       </p:sp>
-      <p:pic>
-        <p:nvPicPr>
-          <p:cNvPr id="5" name="Picture 4" descr=" 5">
-            <a:extLst>
-              <a:ext uri="{FF2B5EF4-FFF2-40B4-BE49-F238E27FC236}">
-                <a16:creationId xmlns:a16="http://schemas.microsoft.com/office/drawing/2014/main" id="{887B80C6-DCC0-4C71-913F-9B4D6BE7E7F1}"/>
-              </a:ext>
-            </a:extLst>
-          </p:cNvPr>
-          <p:cNvPicPr>
-            <a:picLocks noChangeAspect="1"/>
-          </p:cNvPicPr>
-          <p:nvPr/>
-        </p:nvPicPr>
-        <p:blipFill>
-          <a:blip r:embed="rId2"/>
-          <a:stretch>
-            <a:fillRect/>
-          </a:stretch>
-        </p:blipFill>
-        <p:spPr>
-          <a:xfrm>
-            <a:off x="2171563" y="724722"/>
-            <a:ext cx="7848872" cy="2533644"/>
-          </a:xfrm>
-          <a:prstGeom prst="rect">
-            <a:avLst/>
-          </a:prstGeom>
-        </p:spPr>
-      </p:pic>
     </p:spTree>
     <p:extLst>
       <p:ext uri="{BB962C8B-B14F-4D97-AF65-F5344CB8AC3E}">
-        <p14:creationId xmlns:p14="http://schemas.microsoft.com/office/powerpoint/2010/main" val="3046525125"/>
+        <p14:creationId xmlns:p14="http://schemas.microsoft.com/office/powerpoint/2010/main" val="2264202106"/>
       </p:ext>
     </p:extLst>
   </p:cSld>
@@ -33651,6 +33672,36 @@
           <a:chExt cx="0" cy="0"/>
         </a:xfrm>
       </p:grpSpPr>
+      <p:pic>
+        <p:nvPicPr>
+          <p:cNvPr id="16" name="Picture 15" descr=" 16">
+            <a:extLst>
+              <a:ext uri="{FF2B5EF4-FFF2-40B4-BE49-F238E27FC236}">
+                <a16:creationId xmlns:a16="http://schemas.microsoft.com/office/drawing/2014/main" id="{BE13FE45-F6AD-49B7-B343-61056BF0B064}"/>
+              </a:ext>
+            </a:extLst>
+          </p:cNvPr>
+          <p:cNvPicPr>
+            <a:picLocks noChangeAspect="1"/>
+          </p:cNvPicPr>
+          <p:nvPr/>
+        </p:nvPicPr>
+        <p:blipFill>
+          <a:blip r:embed="rId2"/>
+          <a:stretch>
+            <a:fillRect/>
+          </a:stretch>
+        </p:blipFill>
+        <p:spPr>
+          <a:xfrm>
+            <a:off x="2170800" y="723600"/>
+            <a:ext cx="7848000" cy="2533362"/>
+          </a:xfrm>
+          <a:prstGeom prst="rect">
+            <a:avLst/>
+          </a:prstGeom>
+        </p:spPr>
+      </p:pic>
       <p:sp>
         <p:nvSpPr>
           <p:cNvPr id="12" name="Untertitel 11" descr=" 12"/>
@@ -33726,16 +33777,12 @@
             </a:r>
           </a:p>
           <a:p>
-            <a:pPr marL="800100" lvl="1" indent="-342900" algn="l">
-              <a:lnSpc>
-                <a:spcPct val="100000"/>
-              </a:lnSpc>
-              <a:buFont typeface="Arial" panose="020B0604020202020204" pitchFamily="34" charset="0"/>
-              <a:buChar char="•"/>
-            </a:pPr>
-            <a:endParaRPr lang="de-DE" sz="1900" dirty="0">
-              <a:latin typeface="+mj-lt"/>
-            </a:endParaRPr>
+            <a:pPr>
+              <a:lnSpc>
+                <a:spcPct val="100000"/>
+              </a:lnSpc>
+            </a:pPr>
+            <a:endParaRPr lang="de-DE" sz="1800" dirty="0"/>
           </a:p>
           <a:p>
             <a:pPr marL="342900" indent="-342900">
@@ -33749,7 +33796,7 @@
               <a:rPr lang="de-DE" sz="1800">
                 <a:latin typeface="Calibri Light" panose="020F0302020204030204" pitchFamily="34" charset="0"/>
               </a:rPr>
-              <a:t>Parser und arithmetischen Operation + Visualisierung zum Testen</a:t>
+              <a:t>Beginn mit Parser und arithmetischen Operation + Visualisierung zum Testen</a:t>
             </a:r>
           </a:p>
           <a:p>
@@ -34133,40 +34180,10 @@
           </a:p>
         </p:txBody>
       </p:sp>
-      <p:pic>
-        <p:nvPicPr>
-          <p:cNvPr id="5" name="Picture 4" descr=" 5">
-            <a:extLst>
-              <a:ext uri="{FF2B5EF4-FFF2-40B4-BE49-F238E27FC236}">
-                <a16:creationId xmlns:a16="http://schemas.microsoft.com/office/drawing/2014/main" id="{887B80C6-DCC0-4C71-913F-9B4D6BE7E7F1}"/>
-              </a:ext>
-            </a:extLst>
-          </p:cNvPr>
-          <p:cNvPicPr>
-            <a:picLocks noChangeAspect="1"/>
-          </p:cNvPicPr>
-          <p:nvPr/>
-        </p:nvPicPr>
-        <p:blipFill>
-          <a:blip r:embed="rId2"/>
-          <a:stretch>
-            <a:fillRect/>
-          </a:stretch>
-        </p:blipFill>
-        <p:spPr>
-          <a:xfrm>
-            <a:off x="2171563" y="724722"/>
-            <a:ext cx="7848872" cy="2533644"/>
-          </a:xfrm>
-          <a:prstGeom prst="rect">
-            <a:avLst/>
-          </a:prstGeom>
-        </p:spPr>
-      </p:pic>
     </p:spTree>
     <p:extLst>
       <p:ext uri="{BB962C8B-B14F-4D97-AF65-F5344CB8AC3E}">
-        <p14:creationId xmlns:p14="http://schemas.microsoft.com/office/powerpoint/2010/main" val="3800136971"/>
+        <p14:creationId xmlns:p14="http://schemas.microsoft.com/office/powerpoint/2010/main" val="1849067157"/>
       </p:ext>
     </p:extLst>
   </p:cSld>
@@ -34240,27 +34257,24 @@
               <a:buChar char="•"/>
             </a:pPr>
             <a:r>
-              <a:rPr lang="de-DE" dirty="0">
+              <a:rPr lang="de-DE" sz="1900" dirty="0">
                 <a:latin typeface="+mj-lt"/>
               </a:rPr>
-              <a:t>Implementierung der in der Vorlesung vorgestellten bzw. für das Proseminar benötigten ARMv5-Instruktionen</a:t>
-            </a:r>
-          </a:p>
-          <a:p>
-            <a:pPr marL="800100" lvl="1" indent="-342900" algn="l">
-              <a:lnSpc>
-                <a:spcPct val="150000"/>
-              </a:lnSpc>
-              <a:buFont typeface="Arial" panose="020B0604020202020204" pitchFamily="34" charset="0"/>
-              <a:buChar char=" "/>
-            </a:pPr>
-            <a:r>
-              <a:rPr lang="de-DE">
+              <a:t>Die in der Vorlesung vorgestellten bzw. für das Proseminar benötigten ARMv5-Instruktionen</a:t>
+            </a:r>
+            <a:r>
+              <a:rPr lang="en-AT" sz="1900" dirty="0">
                 <a:latin typeface="+mj-lt"/>
               </a:rPr>
-              <a:t>                                                                             </a:t>
-            </a:r>
-            <a:endParaRPr lang="de-DE" dirty="0">
+              <a:t> </a:t>
+            </a:r>
+            <a:r>
+              <a:rPr lang="de-DE" sz="1900" dirty="0">
+                <a:latin typeface="+mj-lt"/>
+              </a:rPr>
+              <a:t>sind implementiert.</a:t>
+            </a:r>
+            <a:endParaRPr lang="en-AT" sz="1900" dirty="0">
               <a:latin typeface="+mj-lt"/>
             </a:endParaRPr>
           </a:p>
@@ -34273,25 +34287,54 @@
               <a:buChar char=" "/>
             </a:pPr>
             <a:r>
-              <a:rPr lang="de-DE">
+              <a:rPr lang="de-DE" sz="1900">
                 <a:latin typeface="+mj-lt"/>
               </a:rPr>
-              <a:t>                     </a:t>
-            </a:r>
-            <a:r>
-              <a:rPr lang="de-DE">
+              <a:t>                                                        </a:t>
+            </a:r>
+            <a:r>
+              <a:rPr lang="en-AT" sz="1900">
                 <a:latin typeface="+mj-lt"/>
                 <a:hlinkClick r:id="rId3" action="ppaction://hlinksldjump"/>
               </a:rPr>
               <a:t>      </a:t>
             </a:r>
             <a:r>
-              <a:rPr lang="de-DE">
+              <a:rPr lang="en-AT" sz="1900">
                 <a:latin typeface="+mj-lt"/>
               </a:rPr>
-              <a:t>                                                                </a:t>
-            </a:r>
-            <a:endParaRPr lang="de-DE" dirty="0">
+              <a:t> </a:t>
+            </a:r>
+            <a:r>
+              <a:rPr lang="de-DE" sz="1900">
+                <a:latin typeface="+mj-lt"/>
+              </a:rPr>
+              <a:t>             </a:t>
+            </a:r>
+            <a:r>
+              <a:rPr lang="en-AT" sz="1900">
+                <a:latin typeface="+mj-lt"/>
+              </a:rPr>
+              <a:t> </a:t>
+            </a:r>
+            <a:r>
+              <a:rPr lang="de-DE" sz="1900">
+                <a:latin typeface="+mj-lt"/>
+              </a:rPr>
+              <a:t>               </a:t>
+            </a:r>
+            <a:br>
+              <a:rPr lang="de-DE" sz="1900">
+                <a:latin typeface="+mj-lt"/>
+              </a:rPr>
+            </a:br>
+            <a:r>
+              <a:rPr lang="de-DE" sz="1900">
+                <a:latin typeface="+mj-lt"/>
+              </a:rPr>
+              <a:t>                                        </a:t>
+            </a:r>
+            <a:endParaRPr lang="en-AT" sz="1900" dirty="0">
               <a:latin typeface="+mj-lt"/>
             </a:endParaRPr>
           </a:p>
@@ -34304,25 +34347,66 @@
               <a:buChar char=" "/>
             </a:pPr>
             <a:r>
-              <a:rPr lang="de-DE">
+              <a:rPr lang="de-DE" sz="1900">
                 <a:latin typeface="+mj-lt"/>
               </a:rPr>
-              <a:t>                     </a:t>
-            </a:r>
-            <a:r>
-              <a:rPr lang="de-DE">
+              <a:t>                               </a:t>
+            </a:r>
+            <a:r>
+              <a:rPr lang="en-AT" sz="1900">
+                <a:latin typeface="+mj-lt"/>
+              </a:rPr>
+              <a:t>    </a:t>
+            </a:r>
+            <a:r>
+              <a:rPr lang="en-AT" sz="1900">
                 <a:latin typeface="+mj-lt"/>
                 <a:hlinkClick r:id="rId4" action="ppaction://hlinksldjump"/>
               </a:rPr>
               <a:t>      </a:t>
             </a:r>
             <a:r>
-              <a:rPr lang="de-DE">
+              <a:rPr lang="en-AT" sz="1900">
                 <a:latin typeface="+mj-lt"/>
               </a:rPr>
+              <a:t> </a:t>
+            </a:r>
+            <a:r>
+              <a:rPr lang="de-DE" sz="1900">
+                <a:latin typeface="+mj-lt"/>
+              </a:rPr>
               <a:t>                          </a:t>
             </a:r>
-            <a:endParaRPr lang="de-DE" dirty="0">
+            <a:endParaRPr lang="en-AT" sz="1900" dirty="0">
+              <a:latin typeface="+mj-lt"/>
+            </a:endParaRPr>
+          </a:p>
+          <a:p>
+            <a:pPr marL="800100" lvl="1" indent="-342900" algn="l">
+              <a:lnSpc>
+                <a:spcPct val="150000"/>
+              </a:lnSpc>
+              <a:buFont typeface="Arial" panose="020B0604020202020204" pitchFamily="34" charset="0"/>
+              <a:buChar char=" "/>
+            </a:pPr>
+            <a:r>
+              <a:rPr lang="de-DE" sz="1900">
+                <a:latin typeface="+mj-lt"/>
+              </a:rPr>
+              <a:t>                                                                                         </a:t>
+            </a:r>
+            <a:br>
+              <a:rPr lang="de-DE" sz="1900">
+                <a:latin typeface="+mj-lt"/>
+              </a:rPr>
+            </a:br>
+            <a:r>
+              <a:rPr lang="de-DE" sz="1900">
+                <a:latin typeface="+mj-lt"/>
+              </a:rPr>
+              <a:t>         </a:t>
+            </a:r>
+            <a:endParaRPr lang="de-DE" sz="1900" dirty="0">
               <a:latin typeface="+mj-lt"/>
             </a:endParaRPr>
           </a:p>
@@ -34758,11 +34842,26 @@
               <a:buChar char="•"/>
             </a:pPr>
             <a:r>
-              <a:rPr lang="de-DE" dirty="0">
+              <a:rPr lang="de-DE" sz="1900" dirty="0">
                 <a:latin typeface="+mj-lt"/>
               </a:rPr>
-              <a:t>Implementierung der in der Vorlesung vorgestellten bzw. für das Proseminar benötigten ARMv5-Instruktionen</a:t>
-            </a:r>
+              <a:t>Die in der Vorlesung vorgestellten bzw. für das Proseminar benötigten ARMv5-Instruktionen</a:t>
+            </a:r>
+            <a:r>
+              <a:rPr lang="en-AT" sz="1900" dirty="0">
+                <a:latin typeface="+mj-lt"/>
+              </a:rPr>
+              <a:t> </a:t>
+            </a:r>
+            <a:r>
+              <a:rPr lang="de-DE" sz="1900" dirty="0">
+                <a:latin typeface="+mj-lt"/>
+              </a:rPr>
+              <a:t>sind implementiert.</a:t>
+            </a:r>
+            <a:endParaRPr lang="en-AT" sz="1900" dirty="0">
+              <a:latin typeface="+mj-lt"/>
+            </a:endParaRPr>
           </a:p>
           <a:p>
             <a:pPr marL="800100" lvl="1" indent="-342900" algn="l">
@@ -34773,7 +34872,7 @@
               <a:buChar char="•"/>
             </a:pPr>
             <a:r>
-              <a:rPr lang="de-DE">
+              <a:rPr lang="de-DE" sz="1900" dirty="0">
                 <a:solidFill>
                   <a:schemeClr val="tx1">
                     <a:lumMod val="100000"/>
@@ -34781,8 +34880,61 @@
                 </a:solidFill>
                 <a:latin typeface="Calibri Light" panose="020F0302020204030204" pitchFamily="34" charset="0"/>
               </a:rPr>
-              <a:t>Testen der korrekten Funktionsweise an Musterlösungen der Proseminar Aufgaben</a:t>
-            </a:r>
+              <a:t>Die Webanwendung weißt eine Benutzeroberfläche (ähnlich </a:t>
+            </a:r>
+            <a:r>
+              <a:rPr lang="en-AT" sz="1900" dirty="0">
+                <a:solidFill>
+                  <a:schemeClr val="tx1">
+                    <a:lumMod val="100000"/>
+                  </a:schemeClr>
+                </a:solidFill>
+                <a:latin typeface="Calibri Light" panose="020F0302020204030204" pitchFamily="34" charset="0"/>
+                <a:hlinkClick r:id="rId2" action="ppaction://hlinksldjump"/>
+              </a:rPr>
+              <a:t>Folie 10</a:t>
+            </a:r>
+            <a:r>
+              <a:rPr lang="de-DE" sz="1900" dirty="0">
+                <a:solidFill>
+                  <a:schemeClr val="tx1">
+                    <a:lumMod val="100000"/>
+                  </a:schemeClr>
+                </a:solidFill>
+                <a:latin typeface="Calibri Light" panose="020F0302020204030204" pitchFamily="34" charset="0"/>
+              </a:rPr>
+              <a:t>) mit Anzeige</a:t>
+            </a:r>
+            <a:r>
+              <a:rPr lang="en-AT" sz="1900" dirty="0">
+                <a:solidFill>
+                  <a:schemeClr val="tx1">
+                    <a:lumMod val="100000"/>
+                  </a:schemeClr>
+                </a:solidFill>
+                <a:latin typeface="Calibri Light" panose="020F0302020204030204" pitchFamily="34" charset="0"/>
+              </a:rPr>
+              <a:t> </a:t>
+            </a:r>
+            <a:r>
+              <a:rPr lang="de-DE" sz="1900" dirty="0">
+                <a:solidFill>
+                  <a:schemeClr val="tx1">
+                    <a:lumMod val="100000"/>
+                  </a:schemeClr>
+                </a:solidFill>
+                <a:latin typeface="Calibri Light" panose="020F0302020204030204" pitchFamily="34" charset="0"/>
+              </a:rPr>
+              <a:t>von Registern, Stack und Teilen des Hauptspeichers auf.</a:t>
+            </a:r>
+            <a:endParaRPr lang="en-AT" sz="1900" dirty="0">
+              <a:solidFill>
+                <a:schemeClr val="tx1">
+                  <a:lumMod val="100000"/>
+                </a:schemeClr>
+              </a:solidFill>
+              <a:latin typeface="Calibri Light" panose="020F0302020204030204" pitchFamily="34" charset="0"/>
+            </a:endParaRPr>
           </a:p>
           <a:p>
             <a:pPr marL="800100" lvl="1" indent="-342900" algn="l">
@@ -34793,25 +34945,37 @@
               <a:buChar char=" "/>
             </a:pPr>
             <a:r>
-              <a:rPr lang="de-DE">
+              <a:rPr lang="de-DE" sz="1900" dirty="0">
                 <a:latin typeface="+mj-lt"/>
               </a:rPr>
-              <a:t>                     </a:t>
-            </a:r>
-            <a:r>
-              <a:rPr lang="de-DE">
+              <a:t>                               </a:t>
+            </a:r>
+            <a:r>
+              <a:rPr lang="en-AT" sz="1900" dirty="0">
                 <a:latin typeface="+mj-lt"/>
-                <a:hlinkClick r:id="rId2" action="ppaction://hlinksldjump"/>
+              </a:rPr>
+              <a:t>    </a:t>
+            </a:r>
+            <a:r>
+              <a:rPr lang="en-AT" sz="1900" dirty="0">
+                <a:latin typeface="+mj-lt"/>
+                <a:hlinkClick r:id="rId3" action="ppaction://hlinksldjump"/>
               </a:rPr>
               <a:t>      </a:t>
             </a:r>
             <a:r>
-              <a:rPr lang="de-DE">
+              <a:rPr lang="en-AT" sz="1900" dirty="0">
                 <a:latin typeface="+mj-lt"/>
               </a:rPr>
-              <a:t>                                                                </a:t>
-            </a:r>
-            <a:endParaRPr lang="de-DE" dirty="0">
+              <a:t> </a:t>
+            </a:r>
+            <a:r>
+              <a:rPr lang="de-DE" sz="1900" dirty="0">
+                <a:latin typeface="+mj-lt"/>
+              </a:rPr>
+              <a:t>                          </a:t>
+            </a:r>
+            <a:endParaRPr lang="en-AT" sz="1900" dirty="0">
               <a:latin typeface="+mj-lt"/>
             </a:endParaRPr>
           </a:p>
@@ -34824,27 +34988,22 @@
               <a:buChar char=" "/>
             </a:pPr>
             <a:r>
-              <a:rPr lang="de-DE">
+              <a:rPr lang="de-DE" sz="1900" dirty="0">
                 <a:latin typeface="+mj-lt"/>
               </a:rPr>
-              <a:t>                     </a:t>
-            </a:r>
-            <a:r>
-              <a:rPr lang="de-DE">
+              <a:t>                                                                                         </a:t>
+            </a:r>
+            <a:br>
+              <a:rPr lang="de-DE" sz="1900" dirty="0">
                 <a:latin typeface="+mj-lt"/>
-                <a:hlinkClick r:id="rId3" action="ppaction://hlinksldjump"/>
-              </a:rPr>
-              <a:t>      </a:t>
-            </a:r>
-            <a:r>
-              <a:rPr lang="de-DE">
+              </a:rPr>
+            </a:br>
+            <a:r>
+              <a:rPr lang="de-DE" sz="1900" dirty="0">
                 <a:latin typeface="+mj-lt"/>
               </a:rPr>
-              <a:t>                          </a:t>
-            </a:r>
-            <a:endParaRPr lang="de-DE" dirty="0">
-              <a:latin typeface="+mj-lt"/>
-            </a:endParaRPr>
+              <a:t>         </a:t>
+            </a:r>
           </a:p>
         </p:txBody>
       </p:sp>
@@ -35199,7 +35358,7 @@
     </p:spTree>
     <p:extLst>
       <p:ext uri="{BB962C8B-B14F-4D97-AF65-F5344CB8AC3E}">
-        <p14:creationId xmlns:p14="http://schemas.microsoft.com/office/powerpoint/2010/main" val="1445105880"/>
+        <p14:creationId xmlns:p14="http://schemas.microsoft.com/office/powerpoint/2010/main" val="1276136992"/>
       </p:ext>
     </p:extLst>
   </p:cSld>
@@ -35278,11 +35437,26 @@
               <a:buChar char="•"/>
             </a:pPr>
             <a:r>
-              <a:rPr lang="de-DE" dirty="0">
+              <a:rPr lang="de-DE" sz="1900" dirty="0">
                 <a:latin typeface="+mj-lt"/>
               </a:rPr>
-              <a:t>Implementierung der in der Vorlesung vorgestellten bzw. für das Proseminar benötigten ARMv5-Instruktionen</a:t>
-            </a:r>
+              <a:t>Die in der Vorlesung vorgestellten bzw. für das Proseminar benötigten ARMv5-Instruktionen</a:t>
+            </a:r>
+            <a:r>
+              <a:rPr lang="en-AT" sz="1900" dirty="0">
+                <a:latin typeface="+mj-lt"/>
+              </a:rPr>
+              <a:t> </a:t>
+            </a:r>
+            <a:r>
+              <a:rPr lang="de-DE" sz="1900" dirty="0">
+                <a:latin typeface="+mj-lt"/>
+              </a:rPr>
+              <a:t>sind implementiert.</a:t>
+            </a:r>
+            <a:endParaRPr lang="en-AT" sz="1900" dirty="0">
+              <a:latin typeface="+mj-lt"/>
+            </a:endParaRPr>
           </a:p>
           <a:p>
             <a:pPr marL="800100" lvl="1" indent="-342900" algn="l">
@@ -35293,7 +35467,7 @@
               <a:buChar char="•"/>
             </a:pPr>
             <a:r>
-              <a:rPr lang="de-DE" dirty="0">
+              <a:rPr lang="de-DE" sz="1900" dirty="0">
                 <a:solidFill>
                   <a:schemeClr val="tx1">
                     <a:lumMod val="100000"/>
@@ -35301,42 +35475,33 @@
                 </a:solidFill>
                 <a:latin typeface="Calibri Light" panose="020F0302020204030204" pitchFamily="34" charset="0"/>
               </a:rPr>
-              <a:t>Testen der korrekten Funktionsweise an Musterlösungen der Proseminar Aufgaben</a:t>
-            </a:r>
-          </a:p>
-          <a:p>
-            <a:pPr marL="800100" lvl="1" indent="-342900" algn="l">
-              <a:lnSpc>
-                <a:spcPct val="150000"/>
-              </a:lnSpc>
-              <a:buFont typeface="Arial" panose="020B0604020202020204" pitchFamily="34" charset="0"/>
-              <a:buChar char="•"/>
-            </a:pPr>
-            <a:r>
-              <a:rPr lang="de-DE" dirty="0">
+              <a:t>Die Webanwendung weißt eine Benutzeroberfläche (ähnlich </a:t>
+            </a:r>
+            <a:r>
+              <a:rPr lang="en-AT" sz="1900" dirty="0">
                 <a:solidFill>
                   <a:schemeClr val="tx1">
                     <a:lumMod val="100000"/>
                   </a:schemeClr>
                 </a:solidFill>
                 <a:latin typeface="Calibri Light" panose="020F0302020204030204" pitchFamily="34" charset="0"/>
-              </a:rPr>
-              <a:t>Webinterface wie auf </a:t>
-            </a:r>
-            <a:r>
-              <a:rPr lang="en-AT" dirty="0">
+                <a:hlinkClick r:id="rId2" action="ppaction://hlinksldjump"/>
+              </a:rPr>
+              <a:t>Folie 10</a:t>
+            </a:r>
+            <a:r>
+              <a:rPr lang="de-DE" sz="1900" dirty="0">
                 <a:solidFill>
                   <a:schemeClr val="tx1">
                     <a:lumMod val="100000"/>
                   </a:schemeClr>
                 </a:solidFill>
                 <a:latin typeface="Calibri Light" panose="020F0302020204030204" pitchFamily="34" charset="0"/>
-                <a:hlinkClick r:id="rId2" action="ppaction://hlinksldjump"/>
-              </a:rPr>
-              <a:t>Folie 9</a:t>
-            </a:r>
-            <a:r>
-              <a:rPr lang="de-DE" dirty="0">
+              </a:rPr>
+              <a:t>) mit Anzeige</a:t>
+            </a:r>
+            <a:r>
+              <a:rPr lang="en-AT" sz="1900" dirty="0">
                 <a:solidFill>
                   <a:schemeClr val="tx1">
                     <a:lumMod val="100000"/>
@@ -35344,8 +35509,27 @@
                 </a:solidFill>
                 <a:latin typeface="Calibri Light" panose="020F0302020204030204" pitchFamily="34" charset="0"/>
               </a:rPr>
-              <a:t> mit Anzeige von Registern, Stack und Teilen des Hauptspeichers</a:t>
-            </a:r>
+              <a:t> </a:t>
+            </a:r>
+            <a:r>
+              <a:rPr lang="de-DE" sz="1900" dirty="0">
+                <a:solidFill>
+                  <a:schemeClr val="tx1">
+                    <a:lumMod val="100000"/>
+                  </a:schemeClr>
+                </a:solidFill>
+                <a:latin typeface="Calibri Light" panose="020F0302020204030204" pitchFamily="34" charset="0"/>
+              </a:rPr>
+              <a:t>von Registern, Stack und Teilen des Hauptspeichers auf.</a:t>
+            </a:r>
+            <a:endParaRPr lang="en-AT" sz="1900" dirty="0">
+              <a:solidFill>
+                <a:schemeClr val="tx1">
+                  <a:lumMod val="100000"/>
+                </a:schemeClr>
+              </a:solidFill>
+              <a:latin typeface="Calibri Light" panose="020F0302020204030204" pitchFamily="34" charset="0"/>
+            </a:endParaRPr>
           </a:p>
           <a:p>
             <a:pPr marL="800100" lvl="1" indent="-342900" algn="l">
@@ -35353,26 +35537,97 @@
                 <a:spcPct val="150000"/>
               </a:lnSpc>
               <a:buFont typeface="Arial" panose="020B0604020202020204" pitchFamily="34" charset="0"/>
+              <a:buChar char="•"/>
+            </a:pPr>
+            <a:r>
+              <a:rPr lang="de-DE" sz="1900" dirty="0">
+                <a:solidFill>
+                  <a:schemeClr val="tx1">
+                    <a:lumMod val="100000"/>
+                  </a:schemeClr>
+                </a:solidFill>
+                <a:latin typeface="Calibri Light" panose="020F0302020204030204" pitchFamily="34" charset="0"/>
+              </a:rPr>
+              <a:t>Der Debugger implementiert die auf</a:t>
+            </a:r>
+            <a:r>
+              <a:rPr lang="en-AT" sz="1900">
+                <a:solidFill>
+                  <a:schemeClr val="tx1">
+                    <a:lumMod val="100000"/>
+                  </a:schemeClr>
+                </a:solidFill>
+                <a:latin typeface="Calibri Light" panose="020F0302020204030204" pitchFamily="34" charset="0"/>
+              </a:rPr>
+              <a:t> </a:t>
+            </a:r>
+            <a:r>
+              <a:rPr lang="en-AT" sz="1900">
+                <a:solidFill>
+                  <a:schemeClr val="tx1">
+                    <a:lumMod val="100000"/>
+                  </a:schemeClr>
+                </a:solidFill>
+                <a:latin typeface="Calibri Light" panose="020F0302020204030204" pitchFamily="34" charset="0"/>
+                <a:hlinkClick r:id="rId3" action="ppaction://hlinksldjump"/>
+              </a:rPr>
+              <a:t>Folie 8</a:t>
+            </a:r>
+            <a:r>
+              <a:rPr lang="de-DE" sz="1900">
+                <a:solidFill>
+                  <a:schemeClr val="tx1">
+                    <a:lumMod val="100000"/>
+                  </a:schemeClr>
+                </a:solidFill>
+                <a:latin typeface="Calibri Light" panose="020F0302020204030204" pitchFamily="34" charset="0"/>
+              </a:rPr>
+              <a:t> </a:t>
+            </a:r>
+            <a:r>
+              <a:rPr lang="de-DE" sz="1900" dirty="0">
+                <a:solidFill>
+                  <a:schemeClr val="tx1">
+                    <a:lumMod val="100000"/>
+                  </a:schemeClr>
+                </a:solidFill>
+                <a:latin typeface="Calibri Light" panose="020F0302020204030204" pitchFamily="34" charset="0"/>
+              </a:rPr>
+              <a:t>beschriebenen Funktionen.</a:t>
+            </a:r>
+            <a:endParaRPr lang="en-AT" sz="1900" dirty="0">
+              <a:solidFill>
+                <a:schemeClr val="tx1">
+                  <a:lumMod val="100000"/>
+                </a:schemeClr>
+              </a:solidFill>
+              <a:latin typeface="Calibri Light" panose="020F0302020204030204" pitchFamily="34" charset="0"/>
+            </a:endParaRPr>
+          </a:p>
+          <a:p>
+            <a:pPr marL="800100" lvl="1" indent="-342900" algn="l">
+              <a:lnSpc>
+                <a:spcPct val="150000"/>
+              </a:lnSpc>
+              <a:buFont typeface="Arial" panose="020B0604020202020204" pitchFamily="34" charset="0"/>
               <a:buChar char=" "/>
             </a:pPr>
             <a:r>
-              <a:rPr lang="de-DE" dirty="0">
+              <a:rPr lang="de-DE" sz="1900" dirty="0">
                 <a:latin typeface="+mj-lt"/>
               </a:rPr>
-              <a:t>                     </a:t>
-            </a:r>
-            <a:r>
-              <a:rPr lang="de-DE" dirty="0">
+              <a:t>                                                                                         </a:t>
+            </a:r>
+            <a:br>
+              <a:rPr lang="de-DE" sz="1900" dirty="0">
                 <a:latin typeface="+mj-lt"/>
-                <a:hlinkClick r:id="rId3" action="ppaction://hlinksldjump"/>
-              </a:rPr>
-              <a:t>      </a:t>
-            </a:r>
-            <a:r>
-              <a:rPr lang="de-DE" dirty="0">
+              </a:rPr>
+            </a:br>
+            <a:r>
+              <a:rPr lang="de-DE" sz="1900" dirty="0">
                 <a:latin typeface="+mj-lt"/>
               </a:rPr>
-              <a:t>                          </a:t>
+              <a:t>         </a:t>
             </a:r>
           </a:p>
         </p:txBody>
@@ -35728,7 +35983,7 @@
     </p:spTree>
     <p:extLst>
       <p:ext uri="{BB962C8B-B14F-4D97-AF65-F5344CB8AC3E}">
-        <p14:creationId xmlns:p14="http://schemas.microsoft.com/office/powerpoint/2010/main" val="2912402752"/>
+        <p14:creationId xmlns:p14="http://schemas.microsoft.com/office/powerpoint/2010/main" val="563225456"/>
       </p:ext>
     </p:extLst>
   </p:cSld>
@@ -35807,11 +36062,26 @@
               <a:buChar char="•"/>
             </a:pPr>
             <a:r>
-              <a:rPr lang="de-DE" dirty="0">
+              <a:rPr lang="de-DE" sz="1900" dirty="0">
                 <a:latin typeface="+mj-lt"/>
               </a:rPr>
-              <a:t>Implementierung der in der Vorlesung vorgestellten bzw. für das Proseminar benötigten ARMv5-Instruktionen</a:t>
-            </a:r>
+              <a:t>Die in der Vorlesung vorgestellten bzw. für das Proseminar benötigten ARMv5-Instruktionen</a:t>
+            </a:r>
+            <a:r>
+              <a:rPr lang="en-AT" sz="1900" dirty="0">
+                <a:latin typeface="+mj-lt"/>
+              </a:rPr>
+              <a:t> </a:t>
+            </a:r>
+            <a:r>
+              <a:rPr lang="de-DE" sz="1900" dirty="0">
+                <a:latin typeface="+mj-lt"/>
+              </a:rPr>
+              <a:t>sind implementiert.</a:t>
+            </a:r>
+            <a:endParaRPr lang="en-AT" sz="1900" dirty="0">
+              <a:latin typeface="+mj-lt"/>
+            </a:endParaRPr>
           </a:p>
           <a:p>
             <a:pPr marL="800100" lvl="1" indent="-342900" algn="l">
@@ -35822,7 +36092,7 @@
               <a:buChar char="•"/>
             </a:pPr>
             <a:r>
-              <a:rPr lang="de-DE" dirty="0">
+              <a:rPr lang="de-DE" sz="1900" dirty="0">
                 <a:solidFill>
                   <a:schemeClr val="tx1">
                     <a:lumMod val="100000"/>
@@ -35830,19 +36100,10 @@
                 </a:solidFill>
                 <a:latin typeface="Calibri Light" panose="020F0302020204030204" pitchFamily="34" charset="0"/>
               </a:rPr>
-              <a:t>Testen der korrekten Funktionsweise an Musterlösungen der Proseminar Aufgaben</a:t>
-            </a:r>
-          </a:p>
-          <a:p>
-            <a:pPr marL="800100" lvl="1" indent="-342900" algn="l">
-              <a:lnSpc>
-                <a:spcPct val="150000"/>
-              </a:lnSpc>
-              <a:buFont typeface="Arial" panose="020B0604020202020204" pitchFamily="34" charset="0"/>
-              <a:buChar char="•"/>
-            </a:pPr>
-            <a:r>
-              <a:rPr lang="de-DE" dirty="0">
+              <a:t>Die Webanwendung weißt eine Benutzeroberfläche (ähnlich</a:t>
+            </a:r>
+            <a:r>
+              <a:rPr lang="en-AT" sz="1900" dirty="0">
                 <a:solidFill>
                   <a:schemeClr val="tx1">
                     <a:lumMod val="100000"/>
@@ -35850,10 +36111,10 @@
                 </a:solidFill>
                 <a:latin typeface="Calibri Light" panose="020F0302020204030204" pitchFamily="34" charset="0"/>
               </a:rPr>
-              <a:t>Webinterface wie auf </a:t>
-            </a:r>
-            <a:r>
-              <a:rPr lang="en-AT" dirty="0">
+              <a:t> </a:t>
+            </a:r>
+            <a:r>
+              <a:rPr lang="en-AT" sz="1900" dirty="0">
                 <a:solidFill>
                   <a:schemeClr val="tx1">
                     <a:lumMod val="100000"/>
@@ -35862,10 +36123,10 @@
                 <a:latin typeface="Calibri Light" panose="020F0302020204030204" pitchFamily="34" charset="0"/>
                 <a:hlinkClick r:id="rId2" action="ppaction://hlinksldjump"/>
               </a:rPr>
-              <a:t>Folie 9</a:t>
-            </a:r>
-            <a:r>
-              <a:rPr lang="de-DE" dirty="0">
+              <a:t>Folie 10</a:t>
+            </a:r>
+            <a:r>
+              <a:rPr lang="de-DE" sz="1900" dirty="0">
                 <a:solidFill>
                   <a:schemeClr val="tx1">
                     <a:lumMod val="100000"/>
@@ -35873,19 +36134,10 @@
                 </a:solidFill>
                 <a:latin typeface="Calibri Light" panose="020F0302020204030204" pitchFamily="34" charset="0"/>
               </a:rPr>
-              <a:t> mit Anzeige von Registern, Stack und Teilen des Hauptspeichers</a:t>
-            </a:r>
-          </a:p>
-          <a:p>
-            <a:pPr marL="800100" lvl="1" indent="-342900" algn="l">
-              <a:lnSpc>
-                <a:spcPct val="150000"/>
-              </a:lnSpc>
-              <a:buFont typeface="Arial" panose="020B0604020202020204" pitchFamily="34" charset="0"/>
-              <a:buChar char="•"/>
-            </a:pPr>
-            <a:r>
-              <a:rPr lang="de-DE" dirty="0">
+              <a:t>) mit Anzeige</a:t>
+            </a:r>
+            <a:r>
+              <a:rPr lang="en-AT" sz="1900" dirty="0">
                 <a:solidFill>
                   <a:schemeClr val="tx1">
                     <a:lumMod val="100000"/>
@@ -35893,22 +36145,38 @@
                 </a:solidFill>
                 <a:latin typeface="Calibri Light" panose="020F0302020204030204" pitchFamily="34" charset="0"/>
               </a:rPr>
-              <a:t>Debugger mit den auf </a:t>
-            </a:r>
-            <a:r>
-              <a:rPr lang="en-AT" dirty="0">
+              <a:t> </a:t>
+            </a:r>
+            <a:r>
+              <a:rPr lang="de-DE" sz="1900" dirty="0">
                 <a:solidFill>
                   <a:schemeClr val="tx1">
                     <a:lumMod val="100000"/>
                   </a:schemeClr>
                 </a:solidFill>
                 <a:latin typeface="Calibri Light" panose="020F0302020204030204" pitchFamily="34" charset="0"/>
-                <a:hlinkClick r:id="rId3" action="ppaction://hlinksldjump"/>
-              </a:rPr>
-              <a:t>Folie 8</a:t>
-            </a:r>
-            <a:r>
-              <a:rPr lang="de-DE" dirty="0">
+              </a:rPr>
+              <a:t>von Registern, Stack und Teilen des Hauptspeichers auf.</a:t>
+            </a:r>
+            <a:endParaRPr lang="en-AT" sz="1900" dirty="0">
+              <a:solidFill>
+                <a:schemeClr val="tx1">
+                  <a:lumMod val="100000"/>
+                </a:schemeClr>
+              </a:solidFill>
+              <a:latin typeface="Calibri Light" panose="020F0302020204030204" pitchFamily="34" charset="0"/>
+            </a:endParaRPr>
+          </a:p>
+          <a:p>
+            <a:pPr marL="800100" lvl="1" indent="-342900" algn="l">
+              <a:lnSpc>
+                <a:spcPct val="150000"/>
+              </a:lnSpc>
+              <a:buFont typeface="Arial" panose="020B0604020202020204" pitchFamily="34" charset="0"/>
+              <a:buChar char="•"/>
+            </a:pPr>
+            <a:r>
+              <a:rPr lang="de-DE" sz="1900" dirty="0">
                 <a:solidFill>
                   <a:schemeClr val="tx1">
                     <a:lumMod val="100000"/>
@@ -35916,9 +36184,71 @@
                 </a:solidFill>
                 <a:latin typeface="Calibri Light" panose="020F0302020204030204" pitchFamily="34" charset="0"/>
               </a:rPr>
-              <a:t> beschriebenen Funktionen</a:t>
-            </a:r>
-            <a:endParaRPr lang="de-DE" dirty="0">
+              <a:t>Der Debugger implementiert die auf</a:t>
+            </a:r>
+            <a:r>
+              <a:rPr lang="en-AT" sz="1900" dirty="0">
+                <a:solidFill>
+                  <a:schemeClr val="tx1">
+                    <a:lumMod val="100000"/>
+                  </a:schemeClr>
+                </a:solidFill>
+                <a:latin typeface="Calibri Light" panose="020F0302020204030204" pitchFamily="34" charset="0"/>
+              </a:rPr>
+              <a:t> </a:t>
+            </a:r>
+            <a:r>
+              <a:rPr lang="en-AT" sz="1900" dirty="0">
+                <a:solidFill>
+                  <a:schemeClr val="tx1">
+                    <a:lumMod val="100000"/>
+                  </a:schemeClr>
+                </a:solidFill>
+                <a:latin typeface="Calibri Light" panose="020F0302020204030204" pitchFamily="34" charset="0"/>
+                <a:hlinkClick r:id="rId3" action="ppaction://hlinksldjump"/>
+              </a:rPr>
+              <a:t>Folie 8</a:t>
+            </a:r>
+            <a:r>
+              <a:rPr lang="de-DE" sz="1900" dirty="0">
+                <a:solidFill>
+                  <a:schemeClr val="tx1">
+                    <a:lumMod val="100000"/>
+                  </a:schemeClr>
+                </a:solidFill>
+                <a:latin typeface="Calibri Light" panose="020F0302020204030204" pitchFamily="34" charset="0"/>
+              </a:rPr>
+              <a:t> beschriebenen Funktionen.</a:t>
+            </a:r>
+            <a:endParaRPr lang="en-AT" sz="1900" dirty="0">
+              <a:solidFill>
+                <a:schemeClr val="tx1">
+                  <a:lumMod val="100000"/>
+                </a:schemeClr>
+              </a:solidFill>
+              <a:latin typeface="Calibri Light" panose="020F0302020204030204" pitchFamily="34" charset="0"/>
+            </a:endParaRPr>
+          </a:p>
+          <a:p>
+            <a:pPr marL="800100" lvl="1" indent="-342900" algn="l">
+              <a:lnSpc>
+                <a:spcPct val="150000"/>
+              </a:lnSpc>
+              <a:buFont typeface="Arial" panose="020B0604020202020204" pitchFamily="34" charset="0"/>
+              <a:buChar char="•"/>
+            </a:pPr>
+            <a:r>
+              <a:rPr lang="de-DE" sz="1900" dirty="0">
+                <a:solidFill>
+                  <a:schemeClr val="tx1">
+                    <a:lumMod val="100000"/>
+                  </a:schemeClr>
+                </a:solidFill>
+                <a:latin typeface="Calibri Light" panose="020F0302020204030204" pitchFamily="34" charset="0"/>
+              </a:rPr>
+              <a:t>Die korrekte Funktionsweise wird mit den Musterlösungen der Beispiele aus dem Proseminar getestet.</a:t>
+            </a:r>
+            <a:endParaRPr lang="de-DE" sz="1900" dirty="0">
               <a:latin typeface="+mj-lt"/>
             </a:endParaRPr>
           </a:p>
@@ -36275,7 +36605,7 @@
     </p:spTree>
     <p:extLst>
       <p:ext uri="{BB962C8B-B14F-4D97-AF65-F5344CB8AC3E}">
-        <p14:creationId xmlns:p14="http://schemas.microsoft.com/office/powerpoint/2010/main" val="1461964803"/>
+        <p14:creationId xmlns:p14="http://schemas.microsoft.com/office/powerpoint/2010/main" val="1529008205"/>
       </p:ext>
     </p:extLst>
   </p:cSld>
@@ -36619,7 +36949,11 @@
             </a:r>
             <a:r>
               <a:rPr lang="de-DE" sz="1400" dirty="0"/>
-              <a:t>04.03.2021. </a:t>
+              <a:t>04.03.2021.</a:t>
+            </a:r>
+            <a:r>
+              <a:rPr lang="en-AT" sz="1400" dirty="0"/>
+              <a:t> </a:t>
             </a:r>
             <a:r>
               <a:rPr lang="de-DE" sz="1400" dirty="0">
@@ -36631,7 +36965,7 @@
               <a:rPr lang="de-DE" sz="1400" dirty="0"/>
               <a:t>.</a:t>
             </a:r>
-            <a:endParaRPr lang="en-AT" sz="1400" dirty="0"/>
+            <a:endParaRPr lang="en-AT" sz="1400"/>
           </a:p>
           <a:p>
             <a:pPr>
@@ -37330,7 +37664,7 @@
           <p:cNvPr id="16" name="Rectangle 15" descr=" 4">
             <a:extLst>
               <a:ext uri="{FF2B5EF4-FFF2-40B4-BE49-F238E27FC236}">
-                <a16:creationId xmlns:a16="http://schemas.microsoft.com/office/drawing/2014/main" id="{C6EC2AC2-7A6F-4EF7-83E7-A853CDA110D4}"/>
+                <a16:creationId xmlns:a16="http://schemas.microsoft.com/office/drawing/2014/main" id="{23AD157B-63AA-4AFA-A0FB-93F0C8362364}"/>
               </a:ext>
             </a:extLst>
           </p:cNvPr>
@@ -37402,7 +37736,7 @@
     </p:spTree>
     <p:extLst>
       <p:ext uri="{BB962C8B-B14F-4D97-AF65-F5344CB8AC3E}">
-        <p14:creationId xmlns:p14="http://schemas.microsoft.com/office/powerpoint/2010/main" val="4169279852"/>
+        <p14:creationId xmlns:p14="http://schemas.microsoft.com/office/powerpoint/2010/main" val="1058909814"/>
       </p:ext>
     </p:extLst>
   </p:cSld>
@@ -38064,7 +38398,7 @@
           <p:cNvPr id="16" name="Rectangle 15" descr=" 4">
             <a:extLst>
               <a:ext uri="{FF2B5EF4-FFF2-40B4-BE49-F238E27FC236}">
-                <a16:creationId xmlns:a16="http://schemas.microsoft.com/office/drawing/2014/main" id="{C6EC2AC2-7A6F-4EF7-83E7-A853CDA110D4}"/>
+                <a16:creationId xmlns:a16="http://schemas.microsoft.com/office/drawing/2014/main" id="{23AD157B-63AA-4AFA-A0FB-93F0C8362364}"/>
               </a:ext>
             </a:extLst>
           </p:cNvPr>
@@ -38138,7 +38472,7 @@
           <p:cNvPr id="17" name="Rectangle 16" descr=" 16">
             <a:extLst>
               <a:ext uri="{FF2B5EF4-FFF2-40B4-BE49-F238E27FC236}">
-                <a16:creationId xmlns:a16="http://schemas.microsoft.com/office/drawing/2014/main" id="{82A2DE36-5E2A-4156-A7A4-6006E25B8F51}"/>
+                <a16:creationId xmlns:a16="http://schemas.microsoft.com/office/drawing/2014/main" id="{75CE9960-900B-45EA-BFD8-E33972BC7823}"/>
               </a:ext>
             </a:extLst>
           </p:cNvPr>
@@ -38212,7 +38546,7 @@
           <p:cNvPr id="18" name="Straight Arrow Connector 17" descr=" 7">
             <a:extLst>
               <a:ext uri="{FF2B5EF4-FFF2-40B4-BE49-F238E27FC236}">
-                <a16:creationId xmlns:a16="http://schemas.microsoft.com/office/drawing/2014/main" id="{29772D88-5B9F-4A31-9642-624DCF4BB42A}"/>
+                <a16:creationId xmlns:a16="http://schemas.microsoft.com/office/drawing/2014/main" id="{825CA28C-1344-4CFC-A721-27D9735EBEC6}"/>
               </a:ext>
             </a:extLst>
           </p:cNvPr>
@@ -38253,7 +38587,7 @@
           <p:cNvPr id="19" name="TextBox 18" descr=" 21">
             <a:extLst>
               <a:ext uri="{FF2B5EF4-FFF2-40B4-BE49-F238E27FC236}">
-                <a16:creationId xmlns:a16="http://schemas.microsoft.com/office/drawing/2014/main" id="{C8D4ABDA-58CE-4BAB-93B5-EB8C14F0D418}"/>
+                <a16:creationId xmlns:a16="http://schemas.microsoft.com/office/drawing/2014/main" id="{D6897501-7D8B-459E-BA8C-2CB191C1CBAC}"/>
               </a:ext>
             </a:extLst>
           </p:cNvPr>
@@ -38303,7 +38637,7 @@
     </p:spTree>
     <p:extLst>
       <p:ext uri="{BB962C8B-B14F-4D97-AF65-F5344CB8AC3E}">
-        <p14:creationId xmlns:p14="http://schemas.microsoft.com/office/powerpoint/2010/main" val="1970173987"/>
+        <p14:creationId xmlns:p14="http://schemas.microsoft.com/office/powerpoint/2010/main" val="2206367795"/>
       </p:ext>
     </p:extLst>
   </p:cSld>
@@ -38905,7 +39239,7 @@
           <p:cNvPr id="16" name="Rectangle 15" descr=" 4">
             <a:extLst>
               <a:ext uri="{FF2B5EF4-FFF2-40B4-BE49-F238E27FC236}">
-                <a16:creationId xmlns:a16="http://schemas.microsoft.com/office/drawing/2014/main" id="{C6EC2AC2-7A6F-4EF7-83E7-A853CDA110D4}"/>
+                <a16:creationId xmlns:a16="http://schemas.microsoft.com/office/drawing/2014/main" id="{23AD157B-63AA-4AFA-A0FB-93F0C8362364}"/>
               </a:ext>
             </a:extLst>
           </p:cNvPr>
@@ -38979,7 +39313,7 @@
           <p:cNvPr id="17" name="Rectangle 16" descr=" 16">
             <a:extLst>
               <a:ext uri="{FF2B5EF4-FFF2-40B4-BE49-F238E27FC236}">
-                <a16:creationId xmlns:a16="http://schemas.microsoft.com/office/drawing/2014/main" id="{82A2DE36-5E2A-4156-A7A4-6006E25B8F51}"/>
+                <a16:creationId xmlns:a16="http://schemas.microsoft.com/office/drawing/2014/main" id="{75CE9960-900B-45EA-BFD8-E33972BC7823}"/>
               </a:ext>
             </a:extLst>
           </p:cNvPr>
@@ -39053,7 +39387,7 @@
           <p:cNvPr id="18" name="Straight Arrow Connector 17" descr=" 7">
             <a:extLst>
               <a:ext uri="{FF2B5EF4-FFF2-40B4-BE49-F238E27FC236}">
-                <a16:creationId xmlns:a16="http://schemas.microsoft.com/office/drawing/2014/main" id="{29772D88-5B9F-4A31-9642-624DCF4BB42A}"/>
+                <a16:creationId xmlns:a16="http://schemas.microsoft.com/office/drawing/2014/main" id="{825CA28C-1344-4CFC-A721-27D9735EBEC6}"/>
               </a:ext>
             </a:extLst>
           </p:cNvPr>
@@ -39094,7 +39428,7 @@
           <p:cNvPr id="20" name="Rectangle 19" descr=" 19">
             <a:extLst>
               <a:ext uri="{FF2B5EF4-FFF2-40B4-BE49-F238E27FC236}">
-                <a16:creationId xmlns:a16="http://schemas.microsoft.com/office/drawing/2014/main" id="{4543C04E-118A-4775-86A4-A6E55E21146F}"/>
+                <a16:creationId xmlns:a16="http://schemas.microsoft.com/office/drawing/2014/main" id="{97100C89-446D-4047-98EE-0673C5290949}"/>
               </a:ext>
             </a:extLst>
           </p:cNvPr>
@@ -39168,7 +39502,7 @@
           <p:cNvPr id="21" name="Straight Arrow Connector 20" descr=" 20">
             <a:extLst>
               <a:ext uri="{FF2B5EF4-FFF2-40B4-BE49-F238E27FC236}">
-                <a16:creationId xmlns:a16="http://schemas.microsoft.com/office/drawing/2014/main" id="{9E59FE60-6BEA-4EB7-9521-2A678995007E}"/>
+                <a16:creationId xmlns:a16="http://schemas.microsoft.com/office/drawing/2014/main" id="{C3833161-4666-42C8-9FEC-1653B373FBF8}"/>
               </a:ext>
             </a:extLst>
           </p:cNvPr>
@@ -39209,7 +39543,7 @@
           <p:cNvPr id="19" name="TextBox 18" descr=" 21">
             <a:extLst>
               <a:ext uri="{FF2B5EF4-FFF2-40B4-BE49-F238E27FC236}">
-                <a16:creationId xmlns:a16="http://schemas.microsoft.com/office/drawing/2014/main" id="{C8D4ABDA-58CE-4BAB-93B5-EB8C14F0D418}"/>
+                <a16:creationId xmlns:a16="http://schemas.microsoft.com/office/drawing/2014/main" id="{D6897501-7D8B-459E-BA8C-2CB191C1CBAC}"/>
               </a:ext>
             </a:extLst>
           </p:cNvPr>
@@ -39261,7 +39595,7 @@
           <p:cNvPr id="22" name="TextBox 21" descr=" 24">
             <a:extLst>
               <a:ext uri="{FF2B5EF4-FFF2-40B4-BE49-F238E27FC236}">
-                <a16:creationId xmlns:a16="http://schemas.microsoft.com/office/drawing/2014/main" id="{501CADE8-5E17-4090-9FD9-5D813825ACDC}"/>
+                <a16:creationId xmlns:a16="http://schemas.microsoft.com/office/drawing/2014/main" id="{645BF66A-481C-42E4-B7DB-BACD527C8DDB}"/>
               </a:ext>
             </a:extLst>
           </p:cNvPr>
@@ -39307,7 +39641,7 @@
     </p:spTree>
     <p:extLst>
       <p:ext uri="{BB962C8B-B14F-4D97-AF65-F5344CB8AC3E}">
-        <p14:creationId xmlns:p14="http://schemas.microsoft.com/office/powerpoint/2010/main" val="3540956199"/>
+        <p14:creationId xmlns:p14="http://schemas.microsoft.com/office/powerpoint/2010/main" val="464762814"/>
       </p:ext>
     </p:extLst>
   </p:cSld>
@@ -39911,7 +40245,7 @@
           <p:cNvPr id="16" name="Rectangle 15" descr=" 4">
             <a:extLst>
               <a:ext uri="{FF2B5EF4-FFF2-40B4-BE49-F238E27FC236}">
-                <a16:creationId xmlns:a16="http://schemas.microsoft.com/office/drawing/2014/main" id="{C6EC2AC2-7A6F-4EF7-83E7-A853CDA110D4}"/>
+                <a16:creationId xmlns:a16="http://schemas.microsoft.com/office/drawing/2014/main" id="{23AD157B-63AA-4AFA-A0FB-93F0C8362364}"/>
               </a:ext>
             </a:extLst>
           </p:cNvPr>
@@ -39985,7 +40319,7 @@
           <p:cNvPr id="17" name="Rectangle 16" descr=" 16">
             <a:extLst>
               <a:ext uri="{FF2B5EF4-FFF2-40B4-BE49-F238E27FC236}">
-                <a16:creationId xmlns:a16="http://schemas.microsoft.com/office/drawing/2014/main" id="{82A2DE36-5E2A-4156-A7A4-6006E25B8F51}"/>
+                <a16:creationId xmlns:a16="http://schemas.microsoft.com/office/drawing/2014/main" id="{75CE9960-900B-45EA-BFD8-E33972BC7823}"/>
               </a:ext>
             </a:extLst>
           </p:cNvPr>
@@ -40059,7 +40393,7 @@
           <p:cNvPr id="18" name="Straight Arrow Connector 17" descr=" 7">
             <a:extLst>
               <a:ext uri="{FF2B5EF4-FFF2-40B4-BE49-F238E27FC236}">
-                <a16:creationId xmlns:a16="http://schemas.microsoft.com/office/drawing/2014/main" id="{29772D88-5B9F-4A31-9642-624DCF4BB42A}"/>
+                <a16:creationId xmlns:a16="http://schemas.microsoft.com/office/drawing/2014/main" id="{825CA28C-1344-4CFC-A721-27D9735EBEC6}"/>
               </a:ext>
             </a:extLst>
           </p:cNvPr>
@@ -40100,7 +40434,7 @@
           <p:cNvPr id="20" name="Rectangle 19" descr=" 19">
             <a:extLst>
               <a:ext uri="{FF2B5EF4-FFF2-40B4-BE49-F238E27FC236}">
-                <a16:creationId xmlns:a16="http://schemas.microsoft.com/office/drawing/2014/main" id="{4543C04E-118A-4775-86A4-A6E55E21146F}"/>
+                <a16:creationId xmlns:a16="http://schemas.microsoft.com/office/drawing/2014/main" id="{97100C89-446D-4047-98EE-0673C5290949}"/>
               </a:ext>
             </a:extLst>
           </p:cNvPr>
@@ -40174,7 +40508,7 @@
           <p:cNvPr id="21" name="Straight Arrow Connector 20" descr=" 20">
             <a:extLst>
               <a:ext uri="{FF2B5EF4-FFF2-40B4-BE49-F238E27FC236}">
-                <a16:creationId xmlns:a16="http://schemas.microsoft.com/office/drawing/2014/main" id="{9E59FE60-6BEA-4EB7-9521-2A678995007E}"/>
+                <a16:creationId xmlns:a16="http://schemas.microsoft.com/office/drawing/2014/main" id="{C3833161-4666-42C8-9FEC-1653B373FBF8}"/>
               </a:ext>
             </a:extLst>
           </p:cNvPr>
@@ -40215,7 +40549,7 @@
           <p:cNvPr id="19" name="TextBox 18" descr=" 21">
             <a:extLst>
               <a:ext uri="{FF2B5EF4-FFF2-40B4-BE49-F238E27FC236}">
-                <a16:creationId xmlns:a16="http://schemas.microsoft.com/office/drawing/2014/main" id="{C8D4ABDA-58CE-4BAB-93B5-EB8C14F0D418}"/>
+                <a16:creationId xmlns:a16="http://schemas.microsoft.com/office/drawing/2014/main" id="{D6897501-7D8B-459E-BA8C-2CB191C1CBAC}"/>
               </a:ext>
             </a:extLst>
           </p:cNvPr>
@@ -40267,7 +40601,7 @@
           <p:cNvPr id="22" name="TextBox 21" descr=" 24">
             <a:extLst>
               <a:ext uri="{FF2B5EF4-FFF2-40B4-BE49-F238E27FC236}">
-                <a16:creationId xmlns:a16="http://schemas.microsoft.com/office/drawing/2014/main" id="{501CADE8-5E17-4090-9FD9-5D813825ACDC}"/>
+                <a16:creationId xmlns:a16="http://schemas.microsoft.com/office/drawing/2014/main" id="{645BF66A-481C-42E4-B7DB-BACD527C8DDB}"/>
               </a:ext>
             </a:extLst>
           </p:cNvPr>
@@ -40313,7 +40647,7 @@
     </p:spTree>
     <p:extLst>
       <p:ext uri="{BB962C8B-B14F-4D97-AF65-F5344CB8AC3E}">
-        <p14:creationId xmlns:p14="http://schemas.microsoft.com/office/powerpoint/2010/main" val="2161280196"/>
+        <p14:creationId xmlns:p14="http://schemas.microsoft.com/office/powerpoint/2010/main" val="3331209038"/>
       </p:ext>
     </p:extLst>
   </p:cSld>

--- a/Latex/Initialpraesentation_anim_Zangerl_Dominik.pptx
+++ b/Latex/Initialpraesentation_anim_Zangerl_Dominik.pptx
@@ -271,7 +271,7 @@
           <a:p>
             <a:fld id="{842CE5A1-857B-214D-8BEE-AF65CEFCD544}" type="datetimeFigureOut">
               <a:rPr lang="de-DE" smtClean="0"/>
-              <a:t>19.03.2021</a:t>
+              <a:t>19.04.2021</a:t>
             </a:fld>
             <a:endParaRPr lang="de-DE"/>
           </a:p>
@@ -31774,14 +31774,11 @@
               <a:buChar char=" "/>
             </a:pPr>
             <a:r>
-              <a:rPr lang="de-DE" sz="1900">
+              <a:rPr lang="de-DE" sz="1900" dirty="0">
                 <a:latin typeface="+mj-lt"/>
               </a:rPr>
               <a:t>                                                                                       </a:t>
             </a:r>
-            <a:endParaRPr lang="de-DE" sz="1900" dirty="0">
-              <a:latin typeface="+mj-lt"/>
-            </a:endParaRPr>
           </a:p>
           <a:p>
             <a:pPr>
@@ -31799,10 +31796,9 @@
               <a:buChar char=" "/>
             </a:pPr>
             <a:r>
-              <a:rPr lang="de-DE" sz="1800"/>
+              <a:rPr lang="de-DE" sz="1800" dirty="0"/>
               <a:t>                        </a:t>
             </a:r>
-            <a:endParaRPr lang="de-DE" sz="1800" dirty="0"/>
           </a:p>
           <a:p>
             <a:pPr marL="642938" indent="-285750">
@@ -31813,10 +31809,9 @@
               <a:buChar char=" "/>
             </a:pPr>
             <a:r>
-              <a:rPr lang="de-DE" sz="1800"/>
+              <a:rPr lang="de-DE" sz="1800" dirty="0"/>
               <a:t>                                                               </a:t>
             </a:r>
-            <a:endParaRPr lang="de-DE" sz="1800" dirty="0"/>
           </a:p>
           <a:p>
             <a:pPr marL="642938" indent="-285750">
@@ -31827,10 +31822,9 @@
               <a:buChar char=" "/>
             </a:pPr>
             <a:r>
-              <a:rPr lang="de-DE" sz="1800"/>
+              <a:rPr lang="de-DE" sz="1800" dirty="0"/>
               <a:t>                                                    </a:t>
             </a:r>
-            <a:endParaRPr lang="de-DE" sz="1800" dirty="0"/>
           </a:p>
           <a:p>
             <a:pPr marL="642938" indent="-285750">
@@ -31841,7 +31835,7 @@
               <a:buChar char=" "/>
             </a:pPr>
             <a:r>
-              <a:rPr lang="de-DE" sz="1800"/>
+              <a:rPr lang="de-DE" sz="1800" dirty="0"/>
               <a:t>                                                                 </a:t>
             </a:r>
             <a:endParaRPr lang="de-DE" dirty="0"/>
@@ -32193,6 +32187,114 @@
               </a:rPr>
               <a:t>finale Implementierung</a:t>
             </a:r>
+          </a:p>
+        </p:txBody>
+      </p:sp>
+      <p:sp>
+        <p:nvSpPr>
+          <p:cNvPr id="17" name="Rectangle 16">
+            <a:extLst>
+              <a:ext uri="{FF2B5EF4-FFF2-40B4-BE49-F238E27FC236}">
+                <a16:creationId xmlns:a16="http://schemas.microsoft.com/office/drawing/2014/main" id="{C64F2709-F03C-4B89-9B84-E22DEA8A27B2}"/>
+              </a:ext>
+            </a:extLst>
+          </p:cNvPr>
+          <p:cNvSpPr/>
+          <p:nvPr/>
+        </p:nvSpPr>
+        <p:spPr>
+          <a:xfrm>
+            <a:off x="3070473" y="2674800"/>
+            <a:ext cx="7020763" cy="144016"/>
+          </a:xfrm>
+          <a:prstGeom prst="rect">
+            <a:avLst/>
+          </a:prstGeom>
+          <a:solidFill>
+            <a:schemeClr val="bg1"/>
+          </a:solidFill>
+          <a:ln>
+            <a:solidFill>
+              <a:schemeClr val="bg1"/>
+            </a:solidFill>
+          </a:ln>
+        </p:spPr>
+        <p:style>
+          <a:lnRef idx="2">
+            <a:schemeClr val="accent1">
+              <a:shade val="50000"/>
+            </a:schemeClr>
+          </a:lnRef>
+          <a:fillRef idx="1">
+            <a:schemeClr val="accent1"/>
+          </a:fillRef>
+          <a:effectRef idx="0">
+            <a:schemeClr val="accent1"/>
+          </a:effectRef>
+          <a:fontRef idx="minor">
+            <a:schemeClr val="lt1"/>
+          </a:fontRef>
+        </p:style>
+        <p:txBody>
+          <a:bodyPr rtlCol="0" anchor="ctr"/>
+          <a:lstStyle/>
+          <a:p>
+            <a:pPr algn="ctr"/>
+            <a:endParaRPr lang="de-DE"/>
+          </a:p>
+        </p:txBody>
+      </p:sp>
+      <p:sp>
+        <p:nvSpPr>
+          <p:cNvPr id="18" name="Rectangle 17">
+            <a:extLst>
+              <a:ext uri="{FF2B5EF4-FFF2-40B4-BE49-F238E27FC236}">
+                <a16:creationId xmlns:a16="http://schemas.microsoft.com/office/drawing/2014/main" id="{5F711485-0E25-4D08-A39D-1F6666132940}"/>
+              </a:ext>
+            </a:extLst>
+          </p:cNvPr>
+          <p:cNvSpPr/>
+          <p:nvPr/>
+        </p:nvSpPr>
+        <p:spPr>
+          <a:xfrm flipV="1">
+            <a:off x="3071664" y="740868"/>
+            <a:ext cx="216024" cy="2040059"/>
+          </a:xfrm>
+          <a:prstGeom prst="rect">
+            <a:avLst/>
+          </a:prstGeom>
+          <a:solidFill>
+            <a:schemeClr val="bg1"/>
+          </a:solidFill>
+          <a:ln>
+            <a:solidFill>
+              <a:schemeClr val="bg1"/>
+            </a:solidFill>
+          </a:ln>
+        </p:spPr>
+        <p:style>
+          <a:lnRef idx="2">
+            <a:schemeClr val="accent1">
+              <a:shade val="50000"/>
+            </a:schemeClr>
+          </a:lnRef>
+          <a:fillRef idx="1">
+            <a:schemeClr val="accent1"/>
+          </a:fillRef>
+          <a:effectRef idx="0">
+            <a:schemeClr val="accent1"/>
+          </a:effectRef>
+          <a:fontRef idx="minor">
+            <a:schemeClr val="lt1"/>
+          </a:fontRef>
+        </p:style>
+        <p:txBody>
+          <a:bodyPr rtlCol="0" anchor="ctr"/>
+          <a:lstStyle/>
+          <a:p>
+            <a:pPr algn="ctr"/>
+            <a:endParaRPr lang="de-DE"/>
           </a:p>
         </p:txBody>
       </p:sp>
@@ -32349,7 +32451,7 @@
               <a:buChar char="•"/>
             </a:pPr>
             <a:r>
-              <a:rPr lang="de-DE" sz="1900">
+              <a:rPr lang="de-DE" sz="1900" dirty="0">
                 <a:solidFill>
                   <a:schemeClr val="tx1">
                     <a:lumMod val="100000"/>
@@ -32376,10 +32478,9 @@
               <a:buChar char=" "/>
             </a:pPr>
             <a:r>
-              <a:rPr lang="de-DE" sz="1800"/>
+              <a:rPr lang="de-DE" sz="1800" dirty="0"/>
               <a:t>                        </a:t>
             </a:r>
-            <a:endParaRPr lang="de-DE" sz="1800" dirty="0"/>
           </a:p>
           <a:p>
             <a:pPr marL="642938" indent="-285750">
@@ -32390,10 +32491,9 @@
               <a:buChar char=" "/>
             </a:pPr>
             <a:r>
-              <a:rPr lang="de-DE" sz="1800"/>
+              <a:rPr lang="de-DE" sz="1800" dirty="0"/>
               <a:t>                                                               </a:t>
             </a:r>
-            <a:endParaRPr lang="de-DE" sz="1800" dirty="0"/>
           </a:p>
           <a:p>
             <a:pPr marL="642938" indent="-285750">
@@ -32404,10 +32504,9 @@
               <a:buChar char=" "/>
             </a:pPr>
             <a:r>
-              <a:rPr lang="de-DE" sz="1800"/>
+              <a:rPr lang="de-DE" sz="1800" dirty="0"/>
               <a:t>                                                    </a:t>
             </a:r>
-            <a:endParaRPr lang="de-DE" sz="1800" dirty="0"/>
           </a:p>
           <a:p>
             <a:pPr marL="642938" indent="-285750">
@@ -32418,7 +32517,7 @@
               <a:buChar char=" "/>
             </a:pPr>
             <a:r>
-              <a:rPr lang="de-DE" sz="1800"/>
+              <a:rPr lang="de-DE" sz="1800" dirty="0"/>
               <a:t>                                                                 </a:t>
             </a:r>
             <a:endParaRPr lang="de-DE" dirty="0"/>
@@ -32770,6 +32869,168 @@
               </a:rPr>
               <a:t>finale Implementierung</a:t>
             </a:r>
+          </a:p>
+        </p:txBody>
+      </p:sp>
+      <p:sp>
+        <p:nvSpPr>
+          <p:cNvPr id="18" name="Rectangle 17">
+            <a:extLst>
+              <a:ext uri="{FF2B5EF4-FFF2-40B4-BE49-F238E27FC236}">
+                <a16:creationId xmlns:a16="http://schemas.microsoft.com/office/drawing/2014/main" id="{0A4606BE-3A48-49F6-A939-5040A28DBE72}"/>
+              </a:ext>
+            </a:extLst>
+          </p:cNvPr>
+          <p:cNvSpPr/>
+          <p:nvPr/>
+        </p:nvSpPr>
+        <p:spPr>
+          <a:xfrm>
+            <a:off x="3070473" y="2636912"/>
+            <a:ext cx="7020763" cy="144016"/>
+          </a:xfrm>
+          <a:prstGeom prst="rect">
+            <a:avLst/>
+          </a:prstGeom>
+          <a:solidFill>
+            <a:schemeClr val="bg1"/>
+          </a:solidFill>
+          <a:ln>
+            <a:solidFill>
+              <a:schemeClr val="bg1"/>
+            </a:solidFill>
+          </a:ln>
+        </p:spPr>
+        <p:style>
+          <a:lnRef idx="2">
+            <a:schemeClr val="accent1">
+              <a:shade val="50000"/>
+            </a:schemeClr>
+          </a:lnRef>
+          <a:fillRef idx="1">
+            <a:schemeClr val="accent1"/>
+          </a:fillRef>
+          <a:effectRef idx="0">
+            <a:schemeClr val="accent1"/>
+          </a:effectRef>
+          <a:fontRef idx="minor">
+            <a:schemeClr val="lt1"/>
+          </a:fontRef>
+        </p:style>
+        <p:txBody>
+          <a:bodyPr rtlCol="0" anchor="ctr"/>
+          <a:lstStyle/>
+          <a:p>
+            <a:pPr algn="ctr"/>
+            <a:endParaRPr lang="de-DE"/>
+          </a:p>
+        </p:txBody>
+      </p:sp>
+      <p:sp>
+        <p:nvSpPr>
+          <p:cNvPr id="19" name="Rectangle 18">
+            <a:extLst>
+              <a:ext uri="{FF2B5EF4-FFF2-40B4-BE49-F238E27FC236}">
+                <a16:creationId xmlns:a16="http://schemas.microsoft.com/office/drawing/2014/main" id="{6EE5E464-022D-47EF-8887-BCCB3A5C4768}"/>
+              </a:ext>
+            </a:extLst>
+          </p:cNvPr>
+          <p:cNvSpPr/>
+          <p:nvPr/>
+        </p:nvSpPr>
+        <p:spPr>
+          <a:xfrm flipV="1">
+            <a:off x="3071664" y="740868"/>
+            <a:ext cx="216024" cy="2040059"/>
+          </a:xfrm>
+          <a:prstGeom prst="rect">
+            <a:avLst/>
+          </a:prstGeom>
+          <a:solidFill>
+            <a:schemeClr val="bg1"/>
+          </a:solidFill>
+          <a:ln>
+            <a:solidFill>
+              <a:schemeClr val="bg1"/>
+            </a:solidFill>
+          </a:ln>
+        </p:spPr>
+        <p:style>
+          <a:lnRef idx="2">
+            <a:schemeClr val="accent1">
+              <a:shade val="50000"/>
+            </a:schemeClr>
+          </a:lnRef>
+          <a:fillRef idx="1">
+            <a:schemeClr val="accent1"/>
+          </a:fillRef>
+          <a:effectRef idx="0">
+            <a:schemeClr val="accent1"/>
+          </a:effectRef>
+          <a:fontRef idx="minor">
+            <a:schemeClr val="lt1"/>
+          </a:fontRef>
+        </p:style>
+        <p:txBody>
+          <a:bodyPr rtlCol="0" anchor="ctr"/>
+          <a:lstStyle/>
+          <a:p>
+            <a:pPr algn="ctr"/>
+            <a:endParaRPr lang="de-DE"/>
+          </a:p>
+        </p:txBody>
+      </p:sp>
+      <p:sp>
+        <p:nvSpPr>
+          <p:cNvPr id="20" name="Rectangle 19">
+            <a:extLst>
+              <a:ext uri="{FF2B5EF4-FFF2-40B4-BE49-F238E27FC236}">
+                <a16:creationId xmlns:a16="http://schemas.microsoft.com/office/drawing/2014/main" id="{802083F9-A21C-40BD-9511-8F4A10E5DAEF}"/>
+              </a:ext>
+            </a:extLst>
+          </p:cNvPr>
+          <p:cNvSpPr/>
+          <p:nvPr/>
+        </p:nvSpPr>
+        <p:spPr>
+          <a:xfrm>
+            <a:off x="3070473" y="2674800"/>
+            <a:ext cx="7020763" cy="144016"/>
+          </a:xfrm>
+          <a:prstGeom prst="rect">
+            <a:avLst/>
+          </a:prstGeom>
+          <a:solidFill>
+            <a:schemeClr val="bg1"/>
+          </a:solidFill>
+          <a:ln>
+            <a:solidFill>
+              <a:schemeClr val="bg1"/>
+            </a:solidFill>
+          </a:ln>
+        </p:spPr>
+        <p:style>
+          <a:lnRef idx="2">
+            <a:schemeClr val="accent1">
+              <a:shade val="50000"/>
+            </a:schemeClr>
+          </a:lnRef>
+          <a:fillRef idx="1">
+            <a:schemeClr val="accent1"/>
+          </a:fillRef>
+          <a:effectRef idx="0">
+            <a:schemeClr val="accent1"/>
+          </a:effectRef>
+          <a:fontRef idx="minor">
+            <a:schemeClr val="lt1"/>
+          </a:fontRef>
+        </p:style>
+        <p:txBody>
+          <a:bodyPr rtlCol="0" anchor="ctr"/>
+          <a:lstStyle/>
+          <a:p>
+            <a:pPr algn="ctr"/>
+            <a:endParaRPr lang="de-DE"/>
           </a:p>
         </p:txBody>
       </p:sp>
@@ -32896,7 +33157,7 @@
               <a:buChar char="•"/>
             </a:pPr>
             <a:r>
-              <a:rPr lang="de-DE" sz="1900">
+              <a:rPr lang="de-DE" sz="1900" dirty="0">
                 <a:solidFill>
                   <a:schemeClr val="tx1">
                     <a:lumMod val="100000"/>
@@ -32922,7 +33183,7 @@
               </a:lnSpc>
             </a:pPr>
             <a:r>
-              <a:rPr lang="de-DE" sz="1800">
+              <a:rPr lang="de-DE" sz="1800" dirty="0">
                 <a:latin typeface="Calibri Light" panose="020F0302020204030204" pitchFamily="34" charset="0"/>
               </a:rPr>
               <a:t>3 geplante Meilensteine:</a:t>
@@ -32937,10 +33198,9 @@
               <a:buChar char=" "/>
             </a:pPr>
             <a:r>
-              <a:rPr lang="de-DE" sz="1800"/>
+              <a:rPr lang="de-DE" sz="1800" dirty="0"/>
               <a:t>                                                               </a:t>
             </a:r>
-            <a:endParaRPr lang="de-DE" sz="1800" dirty="0"/>
           </a:p>
           <a:p>
             <a:pPr marL="642938" indent="-285750">
@@ -32951,10 +33211,9 @@
               <a:buChar char=" "/>
             </a:pPr>
             <a:r>
-              <a:rPr lang="de-DE" sz="1800"/>
+              <a:rPr lang="de-DE" sz="1800" dirty="0"/>
               <a:t>                                                    </a:t>
             </a:r>
-            <a:endParaRPr lang="de-DE" sz="1800" dirty="0"/>
           </a:p>
           <a:p>
             <a:pPr marL="642938" indent="-285750">
@@ -32965,7 +33224,7 @@
               <a:buChar char=" "/>
             </a:pPr>
             <a:r>
-              <a:rPr lang="de-DE" sz="1800"/>
+              <a:rPr lang="de-DE" sz="1800" dirty="0"/>
               <a:t>                                                                 </a:t>
             </a:r>
             <a:endParaRPr lang="de-DE" dirty="0"/>
@@ -33317,6 +33576,198 @@
               </a:rPr>
               <a:t>finale Implementierung</a:t>
             </a:r>
+          </a:p>
+        </p:txBody>
+      </p:sp>
+      <p:pic>
+        <p:nvPicPr>
+          <p:cNvPr id="11" name="Picture 10" descr=" 9">
+            <a:extLst>
+              <a:ext uri="{FF2B5EF4-FFF2-40B4-BE49-F238E27FC236}">
+                <a16:creationId xmlns:a16="http://schemas.microsoft.com/office/drawing/2014/main" id="{22733114-83B6-44A0-BDCE-D465C1FA345A}"/>
+              </a:ext>
+            </a:extLst>
+          </p:cNvPr>
+          <p:cNvPicPr>
+            <a:picLocks noChangeAspect="1"/>
+          </p:cNvPicPr>
+          <p:nvPr/>
+        </p:nvPicPr>
+        <p:blipFill>
+          <a:blip r:embed="rId3"/>
+          <a:stretch>
+            <a:fillRect/>
+          </a:stretch>
+        </p:blipFill>
+        <p:spPr>
+          <a:xfrm>
+            <a:off x="2171563" y="723600"/>
+            <a:ext cx="7848000" cy="2533363"/>
+          </a:xfrm>
+          <a:prstGeom prst="rect">
+            <a:avLst/>
+          </a:prstGeom>
+        </p:spPr>
+      </p:pic>
+      <p:sp>
+        <p:nvSpPr>
+          <p:cNvPr id="4" name="Rectangle 3">
+            <a:extLst>
+              <a:ext uri="{FF2B5EF4-FFF2-40B4-BE49-F238E27FC236}">
+                <a16:creationId xmlns:a16="http://schemas.microsoft.com/office/drawing/2014/main" id="{1A62D3CB-AA9E-4936-8EE7-A0102F75E59E}"/>
+              </a:ext>
+            </a:extLst>
+          </p:cNvPr>
+          <p:cNvSpPr/>
+          <p:nvPr/>
+        </p:nvSpPr>
+        <p:spPr>
+          <a:xfrm>
+            <a:off x="3070473" y="2636912"/>
+            <a:ext cx="7020763" cy="144016"/>
+          </a:xfrm>
+          <a:prstGeom prst="rect">
+            <a:avLst/>
+          </a:prstGeom>
+          <a:solidFill>
+            <a:schemeClr val="bg1"/>
+          </a:solidFill>
+          <a:ln>
+            <a:solidFill>
+              <a:schemeClr val="bg1"/>
+            </a:solidFill>
+          </a:ln>
+        </p:spPr>
+        <p:style>
+          <a:lnRef idx="2">
+            <a:schemeClr val="accent1">
+              <a:shade val="50000"/>
+            </a:schemeClr>
+          </a:lnRef>
+          <a:fillRef idx="1">
+            <a:schemeClr val="accent1"/>
+          </a:fillRef>
+          <a:effectRef idx="0">
+            <a:schemeClr val="accent1"/>
+          </a:effectRef>
+          <a:fontRef idx="minor">
+            <a:schemeClr val="lt1"/>
+          </a:fontRef>
+        </p:style>
+        <p:txBody>
+          <a:bodyPr rtlCol="0" anchor="ctr"/>
+          <a:lstStyle/>
+          <a:p>
+            <a:pPr algn="ctr"/>
+            <a:endParaRPr lang="de-DE"/>
+          </a:p>
+        </p:txBody>
+      </p:sp>
+      <p:sp>
+        <p:nvSpPr>
+          <p:cNvPr id="17" name="Rectangle 16">
+            <a:extLst>
+              <a:ext uri="{FF2B5EF4-FFF2-40B4-BE49-F238E27FC236}">
+                <a16:creationId xmlns:a16="http://schemas.microsoft.com/office/drawing/2014/main" id="{05E323A2-5C22-4CFA-B8DA-0013DF91162D}"/>
+              </a:ext>
+            </a:extLst>
+          </p:cNvPr>
+          <p:cNvSpPr/>
+          <p:nvPr/>
+        </p:nvSpPr>
+        <p:spPr>
+          <a:xfrm flipV="1">
+            <a:off x="3071664" y="740868"/>
+            <a:ext cx="216024" cy="2040059"/>
+          </a:xfrm>
+          <a:prstGeom prst="rect">
+            <a:avLst/>
+          </a:prstGeom>
+          <a:solidFill>
+            <a:schemeClr val="bg1"/>
+          </a:solidFill>
+          <a:ln>
+            <a:solidFill>
+              <a:schemeClr val="bg1"/>
+            </a:solidFill>
+          </a:ln>
+        </p:spPr>
+        <p:style>
+          <a:lnRef idx="2">
+            <a:schemeClr val="accent1">
+              <a:shade val="50000"/>
+            </a:schemeClr>
+          </a:lnRef>
+          <a:fillRef idx="1">
+            <a:schemeClr val="accent1"/>
+          </a:fillRef>
+          <a:effectRef idx="0">
+            <a:schemeClr val="accent1"/>
+          </a:effectRef>
+          <a:fontRef idx="minor">
+            <a:schemeClr val="lt1"/>
+          </a:fontRef>
+        </p:style>
+        <p:txBody>
+          <a:bodyPr rtlCol="0" anchor="ctr"/>
+          <a:lstStyle/>
+          <a:p>
+            <a:pPr algn="ctr"/>
+            <a:endParaRPr lang="de-DE"/>
+          </a:p>
+        </p:txBody>
+      </p:sp>
+      <p:sp>
+        <p:nvSpPr>
+          <p:cNvPr id="18" name="Rectangle 17">
+            <a:extLst>
+              <a:ext uri="{FF2B5EF4-FFF2-40B4-BE49-F238E27FC236}">
+                <a16:creationId xmlns:a16="http://schemas.microsoft.com/office/drawing/2014/main" id="{36CE2A91-8FED-4CE1-AF31-F5A0BA50226D}"/>
+              </a:ext>
+            </a:extLst>
+          </p:cNvPr>
+          <p:cNvSpPr/>
+          <p:nvPr/>
+        </p:nvSpPr>
+        <p:spPr>
+          <a:xfrm>
+            <a:off x="3070473" y="2674800"/>
+            <a:ext cx="7020763" cy="144016"/>
+          </a:xfrm>
+          <a:prstGeom prst="rect">
+            <a:avLst/>
+          </a:prstGeom>
+          <a:solidFill>
+            <a:schemeClr val="bg1"/>
+          </a:solidFill>
+          <a:ln>
+            <a:solidFill>
+              <a:schemeClr val="bg1"/>
+            </a:solidFill>
+          </a:ln>
+        </p:spPr>
+        <p:style>
+          <a:lnRef idx="2">
+            <a:schemeClr val="accent1">
+              <a:shade val="50000"/>
+            </a:schemeClr>
+          </a:lnRef>
+          <a:fillRef idx="1">
+            <a:schemeClr val="accent1"/>
+          </a:fillRef>
+          <a:effectRef idx="0">
+            <a:schemeClr val="accent1"/>
+          </a:effectRef>
+          <a:fontRef idx="minor">
+            <a:schemeClr val="lt1"/>
+          </a:fontRef>
+        </p:style>
+        <p:txBody>
+          <a:bodyPr rtlCol="0" anchor="ctr"/>
+          <a:lstStyle/>
+          <a:p>
+            <a:pPr algn="ctr"/>
+            <a:endParaRPr lang="de-DE"/>
           </a:p>
         </p:txBody>
       </p:sp>
@@ -33868,6 +34319,198 @@
           </a:p>
         </p:txBody>
       </p:sp>
+      <p:pic>
+        <p:nvPicPr>
+          <p:cNvPr id="11" name="Picture 10" descr=" 9">
+            <a:extLst>
+              <a:ext uri="{FF2B5EF4-FFF2-40B4-BE49-F238E27FC236}">
+                <a16:creationId xmlns:a16="http://schemas.microsoft.com/office/drawing/2014/main" id="{62510D03-C4D2-44A5-AA10-7E24CC3083A3}"/>
+              </a:ext>
+            </a:extLst>
+          </p:cNvPr>
+          <p:cNvPicPr>
+            <a:picLocks noChangeAspect="1"/>
+          </p:cNvPicPr>
+          <p:nvPr/>
+        </p:nvPicPr>
+        <p:blipFill>
+          <a:blip r:embed="rId3"/>
+          <a:stretch>
+            <a:fillRect/>
+          </a:stretch>
+        </p:blipFill>
+        <p:spPr>
+          <a:xfrm>
+            <a:off x="2171563" y="723600"/>
+            <a:ext cx="7848000" cy="2533363"/>
+          </a:xfrm>
+          <a:prstGeom prst="rect">
+            <a:avLst/>
+          </a:prstGeom>
+        </p:spPr>
+      </p:pic>
+      <p:sp>
+        <p:nvSpPr>
+          <p:cNvPr id="17" name="Rectangle 16">
+            <a:extLst>
+              <a:ext uri="{FF2B5EF4-FFF2-40B4-BE49-F238E27FC236}">
+                <a16:creationId xmlns:a16="http://schemas.microsoft.com/office/drawing/2014/main" id="{CC70F126-2175-401D-8225-AB1EF7FA4104}"/>
+              </a:ext>
+            </a:extLst>
+          </p:cNvPr>
+          <p:cNvSpPr/>
+          <p:nvPr/>
+        </p:nvSpPr>
+        <p:spPr>
+          <a:xfrm>
+            <a:off x="3070473" y="2636912"/>
+            <a:ext cx="7020763" cy="144016"/>
+          </a:xfrm>
+          <a:prstGeom prst="rect">
+            <a:avLst/>
+          </a:prstGeom>
+          <a:solidFill>
+            <a:schemeClr val="bg1"/>
+          </a:solidFill>
+          <a:ln>
+            <a:solidFill>
+              <a:schemeClr val="bg1"/>
+            </a:solidFill>
+          </a:ln>
+        </p:spPr>
+        <p:style>
+          <a:lnRef idx="2">
+            <a:schemeClr val="accent1">
+              <a:shade val="50000"/>
+            </a:schemeClr>
+          </a:lnRef>
+          <a:fillRef idx="1">
+            <a:schemeClr val="accent1"/>
+          </a:fillRef>
+          <a:effectRef idx="0">
+            <a:schemeClr val="accent1"/>
+          </a:effectRef>
+          <a:fontRef idx="minor">
+            <a:schemeClr val="lt1"/>
+          </a:fontRef>
+        </p:style>
+        <p:txBody>
+          <a:bodyPr rtlCol="0" anchor="ctr"/>
+          <a:lstStyle/>
+          <a:p>
+            <a:pPr algn="ctr"/>
+            <a:endParaRPr lang="de-DE"/>
+          </a:p>
+        </p:txBody>
+      </p:sp>
+      <p:sp>
+        <p:nvSpPr>
+          <p:cNvPr id="18" name="Rectangle 17">
+            <a:extLst>
+              <a:ext uri="{FF2B5EF4-FFF2-40B4-BE49-F238E27FC236}">
+                <a16:creationId xmlns:a16="http://schemas.microsoft.com/office/drawing/2014/main" id="{A2D508CA-4D7D-4EDA-8611-92C5A01866FF}"/>
+              </a:ext>
+            </a:extLst>
+          </p:cNvPr>
+          <p:cNvSpPr/>
+          <p:nvPr/>
+        </p:nvSpPr>
+        <p:spPr>
+          <a:xfrm flipV="1">
+            <a:off x="3071664" y="740868"/>
+            <a:ext cx="216024" cy="2040059"/>
+          </a:xfrm>
+          <a:prstGeom prst="rect">
+            <a:avLst/>
+          </a:prstGeom>
+          <a:solidFill>
+            <a:schemeClr val="bg1"/>
+          </a:solidFill>
+          <a:ln>
+            <a:solidFill>
+              <a:schemeClr val="bg1"/>
+            </a:solidFill>
+          </a:ln>
+        </p:spPr>
+        <p:style>
+          <a:lnRef idx="2">
+            <a:schemeClr val="accent1">
+              <a:shade val="50000"/>
+            </a:schemeClr>
+          </a:lnRef>
+          <a:fillRef idx="1">
+            <a:schemeClr val="accent1"/>
+          </a:fillRef>
+          <a:effectRef idx="0">
+            <a:schemeClr val="accent1"/>
+          </a:effectRef>
+          <a:fontRef idx="minor">
+            <a:schemeClr val="lt1"/>
+          </a:fontRef>
+        </p:style>
+        <p:txBody>
+          <a:bodyPr rtlCol="0" anchor="ctr"/>
+          <a:lstStyle/>
+          <a:p>
+            <a:pPr algn="ctr"/>
+            <a:endParaRPr lang="de-DE"/>
+          </a:p>
+        </p:txBody>
+      </p:sp>
+      <p:sp>
+        <p:nvSpPr>
+          <p:cNvPr id="19" name="Rectangle 18">
+            <a:extLst>
+              <a:ext uri="{FF2B5EF4-FFF2-40B4-BE49-F238E27FC236}">
+                <a16:creationId xmlns:a16="http://schemas.microsoft.com/office/drawing/2014/main" id="{77E47BD9-0EC8-44A9-96C5-80C7DA32020E}"/>
+              </a:ext>
+            </a:extLst>
+          </p:cNvPr>
+          <p:cNvSpPr/>
+          <p:nvPr/>
+        </p:nvSpPr>
+        <p:spPr>
+          <a:xfrm>
+            <a:off x="3070473" y="2674800"/>
+            <a:ext cx="7020763" cy="144016"/>
+          </a:xfrm>
+          <a:prstGeom prst="rect">
+            <a:avLst/>
+          </a:prstGeom>
+          <a:solidFill>
+            <a:schemeClr val="bg1"/>
+          </a:solidFill>
+          <a:ln>
+            <a:solidFill>
+              <a:schemeClr val="bg1"/>
+            </a:solidFill>
+          </a:ln>
+        </p:spPr>
+        <p:style>
+          <a:lnRef idx="2">
+            <a:schemeClr val="accent1">
+              <a:shade val="50000"/>
+            </a:schemeClr>
+          </a:lnRef>
+          <a:fillRef idx="1">
+            <a:schemeClr val="accent1"/>
+          </a:fillRef>
+          <a:effectRef idx="0">
+            <a:schemeClr val="accent1"/>
+          </a:effectRef>
+          <a:fontRef idx="minor">
+            <a:schemeClr val="lt1"/>
+          </a:fontRef>
+        </p:style>
+        <p:txBody>
+          <a:bodyPr rtlCol="0" anchor="ctr"/>
+          <a:lstStyle/>
+          <a:p>
+            <a:pPr algn="ctr"/>
+            <a:endParaRPr lang="de-DE"/>
+          </a:p>
+        </p:txBody>
+      </p:sp>
     </p:spTree>
     <p:extLst>
       <p:ext uri="{BB962C8B-B14F-4D97-AF65-F5344CB8AC3E}">
@@ -34417,6 +35060,198 @@
           </a:p>
         </p:txBody>
       </p:sp>
+      <p:pic>
+        <p:nvPicPr>
+          <p:cNvPr id="11" name="Picture 10" descr=" 9">
+            <a:extLst>
+              <a:ext uri="{FF2B5EF4-FFF2-40B4-BE49-F238E27FC236}">
+                <a16:creationId xmlns:a16="http://schemas.microsoft.com/office/drawing/2014/main" id="{948AF97F-B78C-44CE-B5E8-F5FCC3CEB30C}"/>
+              </a:ext>
+            </a:extLst>
+          </p:cNvPr>
+          <p:cNvPicPr>
+            <a:picLocks noChangeAspect="1"/>
+          </p:cNvPicPr>
+          <p:nvPr/>
+        </p:nvPicPr>
+        <p:blipFill>
+          <a:blip r:embed="rId3"/>
+          <a:stretch>
+            <a:fillRect/>
+          </a:stretch>
+        </p:blipFill>
+        <p:spPr>
+          <a:xfrm>
+            <a:off x="2171563" y="723600"/>
+            <a:ext cx="7848000" cy="2533363"/>
+          </a:xfrm>
+          <a:prstGeom prst="rect">
+            <a:avLst/>
+          </a:prstGeom>
+        </p:spPr>
+      </p:pic>
+      <p:sp>
+        <p:nvSpPr>
+          <p:cNvPr id="17" name="Rectangle 16">
+            <a:extLst>
+              <a:ext uri="{FF2B5EF4-FFF2-40B4-BE49-F238E27FC236}">
+                <a16:creationId xmlns:a16="http://schemas.microsoft.com/office/drawing/2014/main" id="{95F4A578-31FB-494E-B56C-DD808D8465CE}"/>
+              </a:ext>
+            </a:extLst>
+          </p:cNvPr>
+          <p:cNvSpPr/>
+          <p:nvPr/>
+        </p:nvSpPr>
+        <p:spPr>
+          <a:xfrm>
+            <a:off x="3070473" y="2636912"/>
+            <a:ext cx="7020763" cy="144016"/>
+          </a:xfrm>
+          <a:prstGeom prst="rect">
+            <a:avLst/>
+          </a:prstGeom>
+          <a:solidFill>
+            <a:schemeClr val="bg1"/>
+          </a:solidFill>
+          <a:ln>
+            <a:solidFill>
+              <a:schemeClr val="bg1"/>
+            </a:solidFill>
+          </a:ln>
+        </p:spPr>
+        <p:style>
+          <a:lnRef idx="2">
+            <a:schemeClr val="accent1">
+              <a:shade val="50000"/>
+            </a:schemeClr>
+          </a:lnRef>
+          <a:fillRef idx="1">
+            <a:schemeClr val="accent1"/>
+          </a:fillRef>
+          <a:effectRef idx="0">
+            <a:schemeClr val="accent1"/>
+          </a:effectRef>
+          <a:fontRef idx="minor">
+            <a:schemeClr val="lt1"/>
+          </a:fontRef>
+        </p:style>
+        <p:txBody>
+          <a:bodyPr rtlCol="0" anchor="ctr"/>
+          <a:lstStyle/>
+          <a:p>
+            <a:pPr algn="ctr"/>
+            <a:endParaRPr lang="de-DE"/>
+          </a:p>
+        </p:txBody>
+      </p:sp>
+      <p:sp>
+        <p:nvSpPr>
+          <p:cNvPr id="18" name="Rectangle 17">
+            <a:extLst>
+              <a:ext uri="{FF2B5EF4-FFF2-40B4-BE49-F238E27FC236}">
+                <a16:creationId xmlns:a16="http://schemas.microsoft.com/office/drawing/2014/main" id="{3A40D3DB-08DD-4085-981C-241CCAAFD585}"/>
+              </a:ext>
+            </a:extLst>
+          </p:cNvPr>
+          <p:cNvSpPr/>
+          <p:nvPr/>
+        </p:nvSpPr>
+        <p:spPr>
+          <a:xfrm flipV="1">
+            <a:off x="3071664" y="740868"/>
+            <a:ext cx="216024" cy="2040059"/>
+          </a:xfrm>
+          <a:prstGeom prst="rect">
+            <a:avLst/>
+          </a:prstGeom>
+          <a:solidFill>
+            <a:schemeClr val="bg1"/>
+          </a:solidFill>
+          <a:ln>
+            <a:solidFill>
+              <a:schemeClr val="bg1"/>
+            </a:solidFill>
+          </a:ln>
+        </p:spPr>
+        <p:style>
+          <a:lnRef idx="2">
+            <a:schemeClr val="accent1">
+              <a:shade val="50000"/>
+            </a:schemeClr>
+          </a:lnRef>
+          <a:fillRef idx="1">
+            <a:schemeClr val="accent1"/>
+          </a:fillRef>
+          <a:effectRef idx="0">
+            <a:schemeClr val="accent1"/>
+          </a:effectRef>
+          <a:fontRef idx="minor">
+            <a:schemeClr val="lt1"/>
+          </a:fontRef>
+        </p:style>
+        <p:txBody>
+          <a:bodyPr rtlCol="0" anchor="ctr"/>
+          <a:lstStyle/>
+          <a:p>
+            <a:pPr algn="ctr"/>
+            <a:endParaRPr lang="de-DE"/>
+          </a:p>
+        </p:txBody>
+      </p:sp>
+      <p:sp>
+        <p:nvSpPr>
+          <p:cNvPr id="19" name="Rectangle 18">
+            <a:extLst>
+              <a:ext uri="{FF2B5EF4-FFF2-40B4-BE49-F238E27FC236}">
+                <a16:creationId xmlns:a16="http://schemas.microsoft.com/office/drawing/2014/main" id="{60A796C0-1AA9-4A82-8AC3-1F9B8A50D0C3}"/>
+              </a:ext>
+            </a:extLst>
+          </p:cNvPr>
+          <p:cNvSpPr/>
+          <p:nvPr/>
+        </p:nvSpPr>
+        <p:spPr>
+          <a:xfrm>
+            <a:off x="3070473" y="2674800"/>
+            <a:ext cx="7020763" cy="144016"/>
+          </a:xfrm>
+          <a:prstGeom prst="rect">
+            <a:avLst/>
+          </a:prstGeom>
+          <a:solidFill>
+            <a:schemeClr val="bg1"/>
+          </a:solidFill>
+          <a:ln>
+            <a:solidFill>
+              <a:schemeClr val="bg1"/>
+            </a:solidFill>
+          </a:ln>
+        </p:spPr>
+        <p:style>
+          <a:lnRef idx="2">
+            <a:schemeClr val="accent1">
+              <a:shade val="50000"/>
+            </a:schemeClr>
+          </a:lnRef>
+          <a:fillRef idx="1">
+            <a:schemeClr val="accent1"/>
+          </a:fillRef>
+          <a:effectRef idx="0">
+            <a:schemeClr val="accent1"/>
+          </a:effectRef>
+          <a:fontRef idx="minor">
+            <a:schemeClr val="lt1"/>
+          </a:fontRef>
+        </p:style>
+        <p:txBody>
+          <a:bodyPr rtlCol="0" anchor="ctr"/>
+          <a:lstStyle/>
+          <a:p>
+            <a:pPr algn="ctr"/>
+            <a:endParaRPr lang="de-DE"/>
+          </a:p>
+        </p:txBody>
+      </p:sp>
     </p:spTree>
     <p:extLst>
       <p:ext uri="{BB962C8B-B14F-4D97-AF65-F5344CB8AC3E}">
@@ -34965,6 +35800,198 @@
               </a:rPr>
               <a:t>finale Implementierung</a:t>
             </a:r>
+          </a:p>
+        </p:txBody>
+      </p:sp>
+      <p:pic>
+        <p:nvPicPr>
+          <p:cNvPr id="11" name="Picture 10" descr=" 9">
+            <a:extLst>
+              <a:ext uri="{FF2B5EF4-FFF2-40B4-BE49-F238E27FC236}">
+                <a16:creationId xmlns:a16="http://schemas.microsoft.com/office/drawing/2014/main" id="{0F53A6D7-945F-4305-BAFA-88A03193B6CB}"/>
+              </a:ext>
+            </a:extLst>
+          </p:cNvPr>
+          <p:cNvPicPr>
+            <a:picLocks noChangeAspect="1"/>
+          </p:cNvPicPr>
+          <p:nvPr/>
+        </p:nvPicPr>
+        <p:blipFill>
+          <a:blip r:embed="rId3"/>
+          <a:stretch>
+            <a:fillRect/>
+          </a:stretch>
+        </p:blipFill>
+        <p:spPr>
+          <a:xfrm>
+            <a:off x="2171563" y="723600"/>
+            <a:ext cx="7848000" cy="2533363"/>
+          </a:xfrm>
+          <a:prstGeom prst="rect">
+            <a:avLst/>
+          </a:prstGeom>
+        </p:spPr>
+      </p:pic>
+      <p:sp>
+        <p:nvSpPr>
+          <p:cNvPr id="17" name="Rectangle 16">
+            <a:extLst>
+              <a:ext uri="{FF2B5EF4-FFF2-40B4-BE49-F238E27FC236}">
+                <a16:creationId xmlns:a16="http://schemas.microsoft.com/office/drawing/2014/main" id="{39CEE2AF-C685-4148-8FA8-4ED12E0ADE7C}"/>
+              </a:ext>
+            </a:extLst>
+          </p:cNvPr>
+          <p:cNvSpPr/>
+          <p:nvPr/>
+        </p:nvSpPr>
+        <p:spPr>
+          <a:xfrm>
+            <a:off x="3070473" y="2636912"/>
+            <a:ext cx="7020763" cy="144016"/>
+          </a:xfrm>
+          <a:prstGeom prst="rect">
+            <a:avLst/>
+          </a:prstGeom>
+          <a:solidFill>
+            <a:schemeClr val="bg1"/>
+          </a:solidFill>
+          <a:ln>
+            <a:solidFill>
+              <a:schemeClr val="bg1"/>
+            </a:solidFill>
+          </a:ln>
+        </p:spPr>
+        <p:style>
+          <a:lnRef idx="2">
+            <a:schemeClr val="accent1">
+              <a:shade val="50000"/>
+            </a:schemeClr>
+          </a:lnRef>
+          <a:fillRef idx="1">
+            <a:schemeClr val="accent1"/>
+          </a:fillRef>
+          <a:effectRef idx="0">
+            <a:schemeClr val="accent1"/>
+          </a:effectRef>
+          <a:fontRef idx="minor">
+            <a:schemeClr val="lt1"/>
+          </a:fontRef>
+        </p:style>
+        <p:txBody>
+          <a:bodyPr rtlCol="0" anchor="ctr"/>
+          <a:lstStyle/>
+          <a:p>
+            <a:pPr algn="ctr"/>
+            <a:endParaRPr lang="de-DE"/>
+          </a:p>
+        </p:txBody>
+      </p:sp>
+      <p:sp>
+        <p:nvSpPr>
+          <p:cNvPr id="18" name="Rectangle 17">
+            <a:extLst>
+              <a:ext uri="{FF2B5EF4-FFF2-40B4-BE49-F238E27FC236}">
+                <a16:creationId xmlns:a16="http://schemas.microsoft.com/office/drawing/2014/main" id="{D4FC84ED-9808-411F-8009-5B8E670CCA81}"/>
+              </a:ext>
+            </a:extLst>
+          </p:cNvPr>
+          <p:cNvSpPr/>
+          <p:nvPr/>
+        </p:nvSpPr>
+        <p:spPr>
+          <a:xfrm flipV="1">
+            <a:off x="3071664" y="740868"/>
+            <a:ext cx="216024" cy="2040059"/>
+          </a:xfrm>
+          <a:prstGeom prst="rect">
+            <a:avLst/>
+          </a:prstGeom>
+          <a:solidFill>
+            <a:schemeClr val="bg1"/>
+          </a:solidFill>
+          <a:ln>
+            <a:solidFill>
+              <a:schemeClr val="bg1"/>
+            </a:solidFill>
+          </a:ln>
+        </p:spPr>
+        <p:style>
+          <a:lnRef idx="2">
+            <a:schemeClr val="accent1">
+              <a:shade val="50000"/>
+            </a:schemeClr>
+          </a:lnRef>
+          <a:fillRef idx="1">
+            <a:schemeClr val="accent1"/>
+          </a:fillRef>
+          <a:effectRef idx="0">
+            <a:schemeClr val="accent1"/>
+          </a:effectRef>
+          <a:fontRef idx="minor">
+            <a:schemeClr val="lt1"/>
+          </a:fontRef>
+        </p:style>
+        <p:txBody>
+          <a:bodyPr rtlCol="0" anchor="ctr"/>
+          <a:lstStyle/>
+          <a:p>
+            <a:pPr algn="ctr"/>
+            <a:endParaRPr lang="de-DE"/>
+          </a:p>
+        </p:txBody>
+      </p:sp>
+      <p:sp>
+        <p:nvSpPr>
+          <p:cNvPr id="19" name="Rectangle 18">
+            <a:extLst>
+              <a:ext uri="{FF2B5EF4-FFF2-40B4-BE49-F238E27FC236}">
+                <a16:creationId xmlns:a16="http://schemas.microsoft.com/office/drawing/2014/main" id="{4A765EDE-7B49-41A2-BA75-7E6C5D0B0DF5}"/>
+              </a:ext>
+            </a:extLst>
+          </p:cNvPr>
+          <p:cNvSpPr/>
+          <p:nvPr/>
+        </p:nvSpPr>
+        <p:spPr>
+          <a:xfrm>
+            <a:off x="3070473" y="2674800"/>
+            <a:ext cx="7020763" cy="144016"/>
+          </a:xfrm>
+          <a:prstGeom prst="rect">
+            <a:avLst/>
+          </a:prstGeom>
+          <a:solidFill>
+            <a:schemeClr val="bg1"/>
+          </a:solidFill>
+          <a:ln>
+            <a:solidFill>
+              <a:schemeClr val="bg1"/>
+            </a:solidFill>
+          </a:ln>
+        </p:spPr>
+        <p:style>
+          <a:lnRef idx="2">
+            <a:schemeClr val="accent1">
+              <a:shade val="50000"/>
+            </a:schemeClr>
+          </a:lnRef>
+          <a:fillRef idx="1">
+            <a:schemeClr val="accent1"/>
+          </a:fillRef>
+          <a:effectRef idx="0">
+            <a:schemeClr val="accent1"/>
+          </a:effectRef>
+          <a:fontRef idx="minor">
+            <a:schemeClr val="lt1"/>
+          </a:fontRef>
+        </p:style>
+        <p:txBody>
+          <a:bodyPr rtlCol="0" anchor="ctr"/>
+          <a:lstStyle/>
+          <a:p>
+            <a:pPr algn="ctr"/>
+            <a:endParaRPr lang="de-DE"/>
           </a:p>
         </p:txBody>
       </p:sp>
